--- a/OBS Training.pptx
+++ b/OBS Training.pptx
@@ -12,9 +12,10 @@
     <p:sldId id="259" r:id="rId6"/>
     <p:sldId id="260" r:id="rId7"/>
     <p:sldId id="261" r:id="rId8"/>
-    <p:sldId id="262" r:id="rId9"/>
-    <p:sldId id="263" r:id="rId10"/>
-    <p:sldId id="264" r:id="rId11"/>
+    <p:sldId id="266" r:id="rId9"/>
+    <p:sldId id="262" r:id="rId10"/>
+    <p:sldId id="263" r:id="rId11"/>
+    <p:sldId id="264" r:id="rId12"/>
   </p:sldIdLst>
   <p:sldSz cx="12192000" cy="6858000"/>
   <p:notesSz cx="6858000" cy="9144000"/>
@@ -3436,6 +3437,86 @@
           <p:cNvPr id="2" name="Title 1">
             <a:extLst>
               <a:ext uri="{FF2B5EF4-FFF2-40B4-BE49-F238E27FC236}">
+                <a16:creationId xmlns:a16="http://schemas.microsoft.com/office/drawing/2014/main" id="{BF622904-D46E-4A42-85A3-1234B9CE70A9}"/>
+              </a:ext>
+            </a:extLst>
+          </p:cNvPr>
+          <p:cNvSpPr>
+            <a:spLocks noGrp="1"/>
+          </p:cNvSpPr>
+          <p:nvPr>
+            <p:ph type="title"/>
+          </p:nvPr>
+        </p:nvSpPr>
+        <p:spPr/>
+        <p:txBody>
+          <a:bodyPr/>
+          <a:lstStyle/>
+          <a:p>
+            <a:endParaRPr lang="th-TH"/>
+          </a:p>
+        </p:txBody>
+      </p:sp>
+      <p:sp>
+        <p:nvSpPr>
+          <p:cNvPr id="3" name="Content Placeholder 2">
+            <a:extLst>
+              <a:ext uri="{FF2B5EF4-FFF2-40B4-BE49-F238E27FC236}">
+                <a16:creationId xmlns:a16="http://schemas.microsoft.com/office/drawing/2014/main" id="{AFD03149-9870-4A69-906E-3019F22990C9}"/>
+              </a:ext>
+            </a:extLst>
+          </p:cNvPr>
+          <p:cNvSpPr>
+            <a:spLocks noGrp="1"/>
+          </p:cNvSpPr>
+          <p:nvPr>
+            <p:ph idx="1"/>
+          </p:nvPr>
+        </p:nvSpPr>
+        <p:spPr/>
+        <p:txBody>
+          <a:bodyPr/>
+          <a:lstStyle/>
+          <a:p>
+            <a:endParaRPr lang="th-TH"/>
+          </a:p>
+        </p:txBody>
+      </p:sp>
+    </p:spTree>
+    <p:extLst>
+      <p:ext uri="{BB962C8B-B14F-4D97-AF65-F5344CB8AC3E}">
+        <p14:creationId xmlns:p14="http://schemas.microsoft.com/office/powerpoint/2010/main" val="37393073"/>
+      </p:ext>
+    </p:extLst>
+  </p:cSld>
+  <p:clrMapOvr>
+    <a:masterClrMapping/>
+  </p:clrMapOvr>
+</p:sld>
+</file>
+
+<file path=ppt/slides/slide11.xml><?xml version="1.0" encoding="utf-8"?>
+<p:sld xmlns:a="http://schemas.openxmlformats.org/drawingml/2006/main" xmlns:r="http://schemas.openxmlformats.org/officeDocument/2006/relationships" xmlns:p="http://schemas.openxmlformats.org/presentationml/2006/main">
+  <p:cSld>
+    <p:spTree>
+      <p:nvGrpSpPr>
+        <p:cNvPr id="1" name=""/>
+        <p:cNvGrpSpPr/>
+        <p:nvPr/>
+      </p:nvGrpSpPr>
+      <p:grpSpPr>
+        <a:xfrm>
+          <a:off x="0" y="0"/>
+          <a:ext cx="0" cy="0"/>
+          <a:chOff x="0" y="0"/>
+          <a:chExt cx="0" cy="0"/>
+        </a:xfrm>
+      </p:grpSpPr>
+      <p:sp>
+        <p:nvSpPr>
+          <p:cNvPr id="2" name="Title 1">
+            <a:extLst>
+              <a:ext uri="{FF2B5EF4-FFF2-40B4-BE49-F238E27FC236}">
                 <a16:creationId xmlns:a16="http://schemas.microsoft.com/office/drawing/2014/main" id="{CFA3A6EC-6966-423D-B83B-2E5626C9EEBF}"/>
               </a:ext>
             </a:extLst>
@@ -7195,32 +7276,814 @@
           </a:p>
         </p:txBody>
       </p:sp>
-      <p:sp>
-        <p:nvSpPr>
-          <p:cNvPr id="3" name="Content Placeholder 2">
-            <a:extLst>
-              <a:ext uri="{FF2B5EF4-FFF2-40B4-BE49-F238E27FC236}">
-                <a16:creationId xmlns:a16="http://schemas.microsoft.com/office/drawing/2014/main" id="{64DC795A-6912-4059-9D69-96A07E103110}"/>
-              </a:ext>
-            </a:extLst>
-          </p:cNvPr>
-          <p:cNvSpPr>
-            <a:spLocks noGrp="1"/>
-          </p:cNvSpPr>
-          <p:nvPr>
-            <p:ph idx="1"/>
-          </p:nvPr>
-        </p:nvSpPr>
+      <p:pic>
+        <p:nvPicPr>
+          <p:cNvPr id="12" name="Picture 11" descr="A close up of a logo&#10;&#10;Description automatically generated">
+            <a:extLst>
+              <a:ext uri="{FF2B5EF4-FFF2-40B4-BE49-F238E27FC236}">
+                <a16:creationId xmlns:a16="http://schemas.microsoft.com/office/drawing/2014/main" id="{4F3C6543-A72A-449F-834B-95E2D9BB97E8}"/>
+              </a:ext>
+            </a:extLst>
+          </p:cNvPr>
+          <p:cNvPicPr>
+            <a:picLocks noChangeAspect="1"/>
+          </p:cNvPicPr>
+          <p:nvPr/>
+        </p:nvPicPr>
+        <p:blipFill>
+          <a:blip r:embed="rId2">
+            <a:extLst>
+              <a:ext uri="{28A0092B-C50C-407E-A947-70E740481C1C}">
+                <a14:useLocalDpi xmlns:a14="http://schemas.microsoft.com/office/drawing/2010/main" val="0"/>
+              </a:ext>
+            </a:extLst>
+          </a:blip>
+          <a:stretch>
+            <a:fillRect/>
+          </a:stretch>
+        </p:blipFill>
         <p:spPr>
           <a:xfrm>
-            <a:off x="838200" y="1346200"/>
-            <a:ext cx="10515600" cy="4830763"/>
+            <a:off x="9242296" y="3736132"/>
+            <a:ext cx="2559308" cy="1433513"/>
           </a:xfrm>
+          <a:prstGeom prst="rect">
+            <a:avLst/>
+          </a:prstGeom>
+          <a:ln>
+            <a:solidFill>
+              <a:srgbClr val="00B050"/>
+            </a:solidFill>
+          </a:ln>
         </p:spPr>
-        <p:txBody>
-          <a:bodyPr/>
+      </p:pic>
+      <p:sp>
+        <p:nvSpPr>
+          <p:cNvPr id="15" name="Rectangle 14">
+            <a:extLst>
+              <a:ext uri="{FF2B5EF4-FFF2-40B4-BE49-F238E27FC236}">
+                <a16:creationId xmlns:a16="http://schemas.microsoft.com/office/drawing/2014/main" id="{BA7C1A4C-759C-4C3E-8FF7-15027A9D1726}"/>
+              </a:ext>
+            </a:extLst>
+          </p:cNvPr>
+          <p:cNvSpPr/>
+          <p:nvPr/>
+        </p:nvSpPr>
+        <p:spPr>
+          <a:xfrm>
+            <a:off x="482924" y="3736132"/>
+            <a:ext cx="2559308" cy="1446212"/>
+          </a:xfrm>
+          <a:prstGeom prst="rect">
+            <a:avLst/>
+          </a:prstGeom>
+        </p:spPr>
+        <p:style>
+          <a:lnRef idx="2">
+            <a:schemeClr val="accent1"/>
+          </a:lnRef>
+          <a:fillRef idx="1">
+            <a:schemeClr val="lt1"/>
+          </a:fillRef>
+          <a:effectRef idx="0">
+            <a:schemeClr val="accent1"/>
+          </a:effectRef>
+          <a:fontRef idx="minor">
+            <a:schemeClr val="dk1"/>
+          </a:fontRef>
+        </p:style>
+        <p:txBody>
+          <a:bodyPr rtlCol="0" anchor="ctr"/>
           <a:lstStyle/>
           <a:p>
+            <a:pPr algn="ctr"/>
+            <a:r>
+              <a:rPr lang="en-US" sz="2000" dirty="0">
+                <a:solidFill>
+                  <a:schemeClr val="accent6">
+                    <a:lumMod val="50000"/>
+                  </a:schemeClr>
+                </a:solidFill>
+                <a:effectLst>
+                  <a:outerShdw blurRad="38100" dist="38100" dir="2700000" algn="tl">
+                    <a:srgbClr val="000000">
+                      <a:alpha val="43137"/>
+                    </a:srgbClr>
+                  </a:outerShdw>
+                </a:effectLst>
+              </a:rPr>
+              <a:t>Software Engineering</a:t>
+            </a:r>
+            <a:endParaRPr lang="th-TH" sz="2000" dirty="0">
+              <a:solidFill>
+                <a:schemeClr val="accent6">
+                  <a:lumMod val="50000"/>
+                </a:schemeClr>
+              </a:solidFill>
+              <a:effectLst>
+                <a:outerShdw blurRad="38100" dist="38100" dir="2700000" algn="tl">
+                  <a:srgbClr val="000000">
+                    <a:alpha val="43137"/>
+                  </a:srgbClr>
+                </a:outerShdw>
+              </a:effectLst>
+            </a:endParaRPr>
+          </a:p>
+        </p:txBody>
+      </p:sp>
+      <p:grpSp>
+        <p:nvGrpSpPr>
+          <p:cNvPr id="24" name="Group 23">
+            <a:extLst>
+              <a:ext uri="{FF2B5EF4-FFF2-40B4-BE49-F238E27FC236}">
+                <a16:creationId xmlns:a16="http://schemas.microsoft.com/office/drawing/2014/main" id="{8807D9AD-1288-4BA3-9553-B489822C6E52}"/>
+              </a:ext>
+            </a:extLst>
+          </p:cNvPr>
+          <p:cNvGrpSpPr/>
+          <p:nvPr/>
+        </p:nvGrpSpPr>
+        <p:grpSpPr>
+          <a:xfrm>
+            <a:off x="8282877" y="716206"/>
+            <a:ext cx="2559308" cy="1446212"/>
+            <a:chOff x="1482596" y="3297447"/>
+            <a:chExt cx="2559308" cy="1446212"/>
+          </a:xfrm>
+        </p:grpSpPr>
+        <p:sp>
+          <p:nvSpPr>
+            <p:cNvPr id="9" name="Rectangle 8">
+              <a:extLst>
+                <a:ext uri="{FF2B5EF4-FFF2-40B4-BE49-F238E27FC236}">
+                  <a16:creationId xmlns:a16="http://schemas.microsoft.com/office/drawing/2014/main" id="{73949966-8932-4D68-BA93-870A90B79E8D}"/>
+                </a:ext>
+              </a:extLst>
+            </p:cNvPr>
+            <p:cNvSpPr/>
+            <p:nvPr/>
+          </p:nvSpPr>
+          <p:spPr>
+            <a:xfrm>
+              <a:off x="1482596" y="3297447"/>
+              <a:ext cx="2559308" cy="1446212"/>
+            </a:xfrm>
+            <a:prstGeom prst="rect">
+              <a:avLst/>
+            </a:prstGeom>
+          </p:spPr>
+          <p:style>
+            <a:lnRef idx="2">
+              <a:schemeClr val="accent1"/>
+            </a:lnRef>
+            <a:fillRef idx="1">
+              <a:schemeClr val="lt1"/>
+            </a:fillRef>
+            <a:effectRef idx="0">
+              <a:schemeClr val="accent1"/>
+            </a:effectRef>
+            <a:fontRef idx="minor">
+              <a:schemeClr val="dk1"/>
+            </a:fontRef>
+          </p:style>
+          <p:txBody>
+            <a:bodyPr rtlCol="0" anchor="ctr"/>
+            <a:lstStyle/>
+            <a:p>
+              <a:pPr algn="ctr"/>
+              <a:endParaRPr lang="th-TH"/>
+            </a:p>
+          </p:txBody>
+        </p:sp>
+        <p:pic>
+          <p:nvPicPr>
+            <p:cNvPr id="17" name="Picture 16" descr="A close up of a logo&#10;&#10;Description automatically generated">
+              <a:extLst>
+                <a:ext uri="{FF2B5EF4-FFF2-40B4-BE49-F238E27FC236}">
+                  <a16:creationId xmlns:a16="http://schemas.microsoft.com/office/drawing/2014/main" id="{758EE882-2B42-4E77-B273-CCF10586E7F1}"/>
+                </a:ext>
+              </a:extLst>
+            </p:cNvPr>
+            <p:cNvPicPr>
+              <a:picLocks noChangeAspect="1"/>
+            </p:cNvPicPr>
+            <p:nvPr/>
+          </p:nvPicPr>
+          <p:blipFill>
+            <a:blip r:embed="rId3">
+              <a:extLst>
+                <a:ext uri="{28A0092B-C50C-407E-A947-70E740481C1C}">
+                  <a14:useLocalDpi xmlns:a14="http://schemas.microsoft.com/office/drawing/2010/main" val="0"/>
+                </a:ext>
+              </a:extLst>
+            </a:blip>
+            <a:stretch>
+              <a:fillRect/>
+            </a:stretch>
+          </p:blipFill>
+          <p:spPr>
+            <a:xfrm>
+              <a:off x="2152645" y="3429000"/>
+              <a:ext cx="1219209" cy="1219209"/>
+            </a:xfrm>
+            <a:prstGeom prst="rect">
+              <a:avLst/>
+            </a:prstGeom>
+          </p:spPr>
+        </p:pic>
+      </p:grpSp>
+      <p:pic>
+        <p:nvPicPr>
+          <p:cNvPr id="19" name="Picture 18" descr="A close up of a sign&#10;&#10;Description automatically generated">
+            <a:extLst>
+              <a:ext uri="{FF2B5EF4-FFF2-40B4-BE49-F238E27FC236}">
+                <a16:creationId xmlns:a16="http://schemas.microsoft.com/office/drawing/2014/main" id="{993C444B-9CDB-4794-A067-821224C13CB2}"/>
+              </a:ext>
+            </a:extLst>
+          </p:cNvPr>
+          <p:cNvPicPr>
+            <a:picLocks noChangeAspect="1"/>
+          </p:cNvPicPr>
+          <p:nvPr/>
+        </p:nvPicPr>
+        <p:blipFill rotWithShape="1">
+          <a:blip r:embed="rId4">
+            <a:extLst>
+              <a:ext uri="{28A0092B-C50C-407E-A947-70E740481C1C}">
+                <a14:useLocalDpi xmlns:a14="http://schemas.microsoft.com/office/drawing/2010/main" val="0"/>
+              </a:ext>
+            </a:extLst>
+          </a:blip>
+          <a:srcRect l="19383" r="19014"/>
+          <a:stretch/>
+        </p:blipFill>
+        <p:spPr>
+          <a:xfrm>
+            <a:off x="9893340" y="5365889"/>
+            <a:ext cx="1066759" cy="974864"/>
+          </a:xfrm>
+          <a:prstGeom prst="rect">
+            <a:avLst/>
+          </a:prstGeom>
+        </p:spPr>
+      </p:pic>
+      <p:pic>
+        <p:nvPicPr>
+          <p:cNvPr id="21" name="Picture 20" descr="A close up of a camera&#10;&#10;Description automatically generated">
+            <a:extLst>
+              <a:ext uri="{FF2B5EF4-FFF2-40B4-BE49-F238E27FC236}">
+                <a16:creationId xmlns:a16="http://schemas.microsoft.com/office/drawing/2014/main" id="{2EC46FCE-D73A-4C3C-A7F3-D1607998803B}"/>
+              </a:ext>
+            </a:extLst>
+          </p:cNvPr>
+          <p:cNvPicPr>
+            <a:picLocks noChangeAspect="1"/>
+          </p:cNvPicPr>
+          <p:nvPr/>
+        </p:nvPicPr>
+        <p:blipFill>
+          <a:blip r:embed="rId5">
+            <a:extLst>
+              <a:ext uri="{28A0092B-C50C-407E-A947-70E740481C1C}">
+                <a14:useLocalDpi xmlns:a14="http://schemas.microsoft.com/office/drawing/2010/main" val="0"/>
+              </a:ext>
+            </a:extLst>
+          </a:blip>
+          <a:stretch>
+            <a:fillRect/>
+          </a:stretch>
+        </p:blipFill>
+        <p:spPr>
+          <a:xfrm>
+            <a:off x="10960099" y="896886"/>
+            <a:ext cx="1041583" cy="974528"/>
+          </a:xfrm>
+          <a:prstGeom prst="rect">
+            <a:avLst/>
+          </a:prstGeom>
+        </p:spPr>
+      </p:pic>
+      <p:pic>
+        <p:nvPicPr>
+          <p:cNvPr id="23" name="Picture 22" descr="A picture containing clipart&#10;&#10;Description automatically generated">
+            <a:extLst>
+              <a:ext uri="{FF2B5EF4-FFF2-40B4-BE49-F238E27FC236}">
+                <a16:creationId xmlns:a16="http://schemas.microsoft.com/office/drawing/2014/main" id="{40D1459B-BD45-43DE-82C1-913B2063C674}"/>
+              </a:ext>
+            </a:extLst>
+          </p:cNvPr>
+          <p:cNvPicPr>
+            <a:picLocks noChangeAspect="1"/>
+          </p:cNvPicPr>
+          <p:nvPr/>
+        </p:nvPicPr>
+        <p:blipFill rotWithShape="1">
+          <a:blip r:embed="rId6">
+            <a:extLst>
+              <a:ext uri="{28A0092B-C50C-407E-A947-70E740481C1C}">
+                <a14:useLocalDpi xmlns:a14="http://schemas.microsoft.com/office/drawing/2010/main" val="0"/>
+              </a:ext>
+            </a:extLst>
+          </a:blip>
+          <a:srcRect l="10822" t="11813" r="8721" b="13642"/>
+          <a:stretch/>
+        </p:blipFill>
+        <p:spPr>
+          <a:xfrm>
+            <a:off x="1108362" y="3125882"/>
+            <a:ext cx="1308431" cy="450038"/>
+          </a:xfrm>
+          <a:prstGeom prst="rect">
+            <a:avLst/>
+          </a:prstGeom>
+        </p:spPr>
+      </p:pic>
+      <p:grpSp>
+        <p:nvGrpSpPr>
+          <p:cNvPr id="31" name="Group 30">
+            <a:extLst>
+              <a:ext uri="{FF2B5EF4-FFF2-40B4-BE49-F238E27FC236}">
+                <a16:creationId xmlns:a16="http://schemas.microsoft.com/office/drawing/2014/main" id="{0B85536C-E360-480D-8FAB-5A37752511A2}"/>
+              </a:ext>
+            </a:extLst>
+          </p:cNvPr>
+          <p:cNvGrpSpPr/>
+          <p:nvPr/>
+        </p:nvGrpSpPr>
+        <p:grpSpPr>
+          <a:xfrm>
+            <a:off x="3257744" y="2428787"/>
+            <a:ext cx="5263616" cy="2937102"/>
+            <a:chOff x="5005714" y="1843088"/>
+            <a:chExt cx="6951304" cy="3887650"/>
+          </a:xfrm>
+        </p:grpSpPr>
+        <p:pic>
+          <p:nvPicPr>
+            <p:cNvPr id="14" name="Picture 13" descr="A close up of a logo&#10;&#10;Description automatically generated">
+              <a:extLst>
+                <a:ext uri="{FF2B5EF4-FFF2-40B4-BE49-F238E27FC236}">
+                  <a16:creationId xmlns:a16="http://schemas.microsoft.com/office/drawing/2014/main" id="{7C2BBD9E-B89B-4927-87B9-52A4C83AC76D}"/>
+                </a:ext>
+              </a:extLst>
+            </p:cNvPr>
+            <p:cNvPicPr>
+              <a:picLocks noChangeAspect="1"/>
+            </p:cNvPicPr>
+            <p:nvPr/>
+          </p:nvPicPr>
+          <p:blipFill>
+            <a:blip r:embed="rId2">
+              <a:extLst>
+                <a:ext uri="{28A0092B-C50C-407E-A947-70E740481C1C}">
+                  <a14:useLocalDpi xmlns:a14="http://schemas.microsoft.com/office/drawing/2010/main" val="0"/>
+                </a:ext>
+              </a:extLst>
+            </a:blip>
+            <a:stretch>
+              <a:fillRect/>
+            </a:stretch>
+          </p:blipFill>
+          <p:spPr>
+            <a:xfrm>
+              <a:off x="5016241" y="1843088"/>
+              <a:ext cx="6940777" cy="3887650"/>
+            </a:xfrm>
+            <a:prstGeom prst="rect">
+              <a:avLst/>
+            </a:prstGeom>
+            <a:ln>
+              <a:solidFill>
+                <a:srgbClr val="00B050"/>
+              </a:solidFill>
+            </a:ln>
+          </p:spPr>
+        </p:pic>
+        <p:grpSp>
+          <p:nvGrpSpPr>
+            <p:cNvPr id="25" name="Group 24">
+              <a:extLst>
+                <a:ext uri="{FF2B5EF4-FFF2-40B4-BE49-F238E27FC236}">
+                  <a16:creationId xmlns:a16="http://schemas.microsoft.com/office/drawing/2014/main" id="{D767DB21-9548-4909-A8E7-422FC1466798}"/>
+                </a:ext>
+              </a:extLst>
+            </p:cNvPr>
+            <p:cNvGrpSpPr/>
+            <p:nvPr/>
+          </p:nvGrpSpPr>
+          <p:grpSpPr>
+            <a:xfrm>
+              <a:off x="9829813" y="1982788"/>
+              <a:ext cx="1522064" cy="1253258"/>
+              <a:chOff x="2095513" y="3297447"/>
+              <a:chExt cx="1522064" cy="1253258"/>
+            </a:xfrm>
+          </p:grpSpPr>
+          <p:sp>
+            <p:nvSpPr>
+              <p:cNvPr id="26" name="Rectangle 25">
+                <a:extLst>
+                  <a:ext uri="{FF2B5EF4-FFF2-40B4-BE49-F238E27FC236}">
+                    <a16:creationId xmlns:a16="http://schemas.microsoft.com/office/drawing/2014/main" id="{7F8E0D48-C29F-4568-8574-A7D1EB20CF23}"/>
+                  </a:ext>
+                </a:extLst>
+              </p:cNvPr>
+              <p:cNvSpPr/>
+              <p:nvPr/>
+            </p:nvSpPr>
+            <p:spPr>
+              <a:xfrm>
+                <a:off x="2095513" y="3297447"/>
+                <a:ext cx="1522064" cy="1253258"/>
+              </a:xfrm>
+              <a:prstGeom prst="rect">
+                <a:avLst/>
+              </a:prstGeom>
+            </p:spPr>
+            <p:style>
+              <a:lnRef idx="2">
+                <a:schemeClr val="accent1"/>
+              </a:lnRef>
+              <a:fillRef idx="1">
+                <a:schemeClr val="lt1"/>
+              </a:fillRef>
+              <a:effectRef idx="0">
+                <a:schemeClr val="accent1"/>
+              </a:effectRef>
+              <a:fontRef idx="minor">
+                <a:schemeClr val="dk1"/>
+              </a:fontRef>
+            </p:style>
+            <p:txBody>
+              <a:bodyPr rtlCol="0" anchor="ctr"/>
+              <a:lstStyle/>
+              <a:p>
+                <a:pPr algn="ctr"/>
+                <a:endParaRPr lang="th-TH"/>
+              </a:p>
+            </p:txBody>
+          </p:sp>
+          <p:pic>
+            <p:nvPicPr>
+              <p:cNvPr id="27" name="Picture 26" descr="A close up of a logo&#10;&#10;Description automatically generated">
+                <a:extLst>
+                  <a:ext uri="{FF2B5EF4-FFF2-40B4-BE49-F238E27FC236}">
+                    <a16:creationId xmlns:a16="http://schemas.microsoft.com/office/drawing/2014/main" id="{E6EBA232-5D1C-4EB7-B7FB-7ECF1117842B}"/>
+                  </a:ext>
+                </a:extLst>
+              </p:cNvPr>
+              <p:cNvPicPr>
+                <a:picLocks noChangeAspect="1"/>
+              </p:cNvPicPr>
+              <p:nvPr/>
+            </p:nvPicPr>
+            <p:blipFill>
+              <a:blip r:embed="rId3">
+                <a:extLst>
+                  <a:ext uri="{28A0092B-C50C-407E-A947-70E740481C1C}">
+                    <a14:useLocalDpi xmlns:a14="http://schemas.microsoft.com/office/drawing/2010/main" val="0"/>
+                  </a:ext>
+                </a:extLst>
+              </a:blip>
+              <a:stretch>
+                <a:fillRect/>
+              </a:stretch>
+            </p:blipFill>
+            <p:spPr>
+              <a:xfrm>
+                <a:off x="2422568" y="3429002"/>
+                <a:ext cx="949287" cy="949287"/>
+              </a:xfrm>
+              <a:prstGeom prst="rect">
+                <a:avLst/>
+              </a:prstGeom>
+            </p:spPr>
+          </p:pic>
+        </p:grpSp>
+        <p:sp>
+          <p:nvSpPr>
+            <p:cNvPr id="29" name="Rectangle 28">
+              <a:extLst>
+                <a:ext uri="{FF2B5EF4-FFF2-40B4-BE49-F238E27FC236}">
+                  <a16:creationId xmlns:a16="http://schemas.microsoft.com/office/drawing/2014/main" id="{68462A3F-AEEC-4BE7-8853-B1546868A6A8}"/>
+                </a:ext>
+              </a:extLst>
+            </p:cNvPr>
+            <p:cNvSpPr/>
+            <p:nvPr/>
+          </p:nvSpPr>
+          <p:spPr>
+            <a:xfrm>
+              <a:off x="5005714" y="5027990"/>
+              <a:ext cx="2559308" cy="702748"/>
+            </a:xfrm>
+            <a:prstGeom prst="rect">
+              <a:avLst/>
+            </a:prstGeom>
+            <a:noFill/>
+            <a:ln>
+              <a:noFill/>
+            </a:ln>
+          </p:spPr>
+          <p:style>
+            <a:lnRef idx="2">
+              <a:schemeClr val="accent1"/>
+            </a:lnRef>
+            <a:fillRef idx="1">
+              <a:schemeClr val="lt1"/>
+            </a:fillRef>
+            <a:effectRef idx="0">
+              <a:schemeClr val="accent1"/>
+            </a:effectRef>
+            <a:fontRef idx="minor">
+              <a:schemeClr val="dk1"/>
+            </a:fontRef>
+          </p:style>
+          <p:txBody>
+            <a:bodyPr rtlCol="0" anchor="ctr"/>
+            <a:lstStyle/>
+            <a:p>
+              <a:pPr algn="ctr"/>
+              <a:r>
+                <a:rPr lang="en-US" sz="1400" dirty="0">
+                  <a:solidFill>
+                    <a:schemeClr val="accent6">
+                      <a:lumMod val="50000"/>
+                    </a:schemeClr>
+                  </a:solidFill>
+                  <a:effectLst>
+                    <a:outerShdw blurRad="38100" dist="38100" dir="2700000" algn="tl">
+                      <a:srgbClr val="000000">
+                        <a:alpha val="43137"/>
+                      </a:srgbClr>
+                    </a:outerShdw>
+                  </a:effectLst>
+                </a:rPr>
+                <a:t>Software Engineering</a:t>
+              </a:r>
+              <a:endParaRPr lang="th-TH" sz="1400" dirty="0">
+                <a:solidFill>
+                  <a:schemeClr val="accent6">
+                    <a:lumMod val="50000"/>
+                  </a:schemeClr>
+                </a:solidFill>
+                <a:effectLst>
+                  <a:outerShdw blurRad="38100" dist="38100" dir="2700000" algn="tl">
+                    <a:srgbClr val="000000">
+                      <a:alpha val="43137"/>
+                    </a:srgbClr>
+                  </a:outerShdw>
+                </a:effectLst>
+              </a:endParaRPr>
+            </a:p>
+          </p:txBody>
+        </p:sp>
+      </p:grpSp>
+      <p:sp>
+        <p:nvSpPr>
+          <p:cNvPr id="30" name="Arrow: Right 29">
+            <a:extLst>
+              <a:ext uri="{FF2B5EF4-FFF2-40B4-BE49-F238E27FC236}">
+                <a16:creationId xmlns:a16="http://schemas.microsoft.com/office/drawing/2014/main" id="{A4D96B5E-2F35-43E8-BB36-CB44072CFB84}"/>
+              </a:ext>
+            </a:extLst>
+          </p:cNvPr>
+          <p:cNvSpPr/>
+          <p:nvPr/>
+        </p:nvSpPr>
+        <p:spPr>
+          <a:xfrm rot="10800000">
+            <a:off x="8614927" y="4258307"/>
+            <a:ext cx="754069" cy="323850"/>
+          </a:xfrm>
+          <a:prstGeom prst="rightArrow">
+            <a:avLst>
+              <a:gd name="adj1" fmla="val 50000"/>
+              <a:gd name="adj2" fmla="val 36280"/>
+            </a:avLst>
+          </a:prstGeom>
+        </p:spPr>
+        <p:style>
+          <a:lnRef idx="2">
+            <a:schemeClr val="accent1">
+              <a:shade val="50000"/>
+            </a:schemeClr>
+          </a:lnRef>
+          <a:fillRef idx="1">
+            <a:schemeClr val="accent1"/>
+          </a:fillRef>
+          <a:effectRef idx="0">
+            <a:schemeClr val="accent1"/>
+          </a:effectRef>
+          <a:fontRef idx="minor">
+            <a:schemeClr val="lt1"/>
+          </a:fontRef>
+        </p:style>
+        <p:txBody>
+          <a:bodyPr rtlCol="0" anchor="ctr"/>
+          <a:lstStyle/>
+          <a:p>
+            <a:pPr algn="ctr"/>
+            <a:endParaRPr lang="th-TH"/>
+          </a:p>
+        </p:txBody>
+      </p:sp>
+      <p:sp>
+        <p:nvSpPr>
+          <p:cNvPr id="32" name="Arrow: Right 31">
+            <a:extLst>
+              <a:ext uri="{FF2B5EF4-FFF2-40B4-BE49-F238E27FC236}">
+                <a16:creationId xmlns:a16="http://schemas.microsoft.com/office/drawing/2014/main" id="{5C20CB13-EF95-4393-A809-37259AD3C7A7}"/>
+              </a:ext>
+            </a:extLst>
+          </p:cNvPr>
+          <p:cNvSpPr/>
+          <p:nvPr/>
+        </p:nvSpPr>
+        <p:spPr>
+          <a:xfrm rot="7920680">
+            <a:off x="7839981" y="2175809"/>
+            <a:ext cx="708038" cy="285530"/>
+          </a:xfrm>
+          <a:prstGeom prst="rightArrow">
+            <a:avLst/>
+          </a:prstGeom>
+        </p:spPr>
+        <p:style>
+          <a:lnRef idx="2">
+            <a:schemeClr val="accent1">
+              <a:shade val="50000"/>
+            </a:schemeClr>
+          </a:lnRef>
+          <a:fillRef idx="1">
+            <a:schemeClr val="accent1"/>
+          </a:fillRef>
+          <a:effectRef idx="0">
+            <a:schemeClr val="accent1"/>
+          </a:effectRef>
+          <a:fontRef idx="minor">
+            <a:schemeClr val="lt1"/>
+          </a:fontRef>
+        </p:style>
+        <p:txBody>
+          <a:bodyPr rtlCol="0" anchor="ctr"/>
+          <a:lstStyle/>
+          <a:p>
+            <a:pPr algn="ctr"/>
+            <a:endParaRPr lang="th-TH"/>
+          </a:p>
+        </p:txBody>
+      </p:sp>
+      <p:sp>
+        <p:nvSpPr>
+          <p:cNvPr id="33" name="Arrow: Right 32">
+            <a:extLst>
+              <a:ext uri="{FF2B5EF4-FFF2-40B4-BE49-F238E27FC236}">
+                <a16:creationId xmlns:a16="http://schemas.microsoft.com/office/drawing/2014/main" id="{21F57365-673C-4466-BF9F-24AD9908453E}"/>
+              </a:ext>
+            </a:extLst>
+          </p:cNvPr>
+          <p:cNvSpPr/>
+          <p:nvPr/>
+        </p:nvSpPr>
+        <p:spPr>
+          <a:xfrm rot="1298371">
+            <a:off x="2734996" y="4763627"/>
+            <a:ext cx="708038" cy="285530"/>
+          </a:xfrm>
+          <a:prstGeom prst="rightArrow">
+            <a:avLst/>
+          </a:prstGeom>
+        </p:spPr>
+        <p:style>
+          <a:lnRef idx="2">
+            <a:schemeClr val="accent1">
+              <a:shade val="50000"/>
+            </a:schemeClr>
+          </a:lnRef>
+          <a:fillRef idx="1">
+            <a:schemeClr val="accent1"/>
+          </a:fillRef>
+          <a:effectRef idx="0">
+            <a:schemeClr val="accent1"/>
+          </a:effectRef>
+          <a:fontRef idx="minor">
+            <a:schemeClr val="lt1"/>
+          </a:fontRef>
+        </p:style>
+        <p:txBody>
+          <a:bodyPr rtlCol="0" anchor="ctr"/>
+          <a:lstStyle/>
+          <a:p>
+            <a:pPr algn="ctr"/>
+            <a:endParaRPr lang="th-TH"/>
+          </a:p>
+        </p:txBody>
+      </p:sp>
+      <p:sp>
+        <p:nvSpPr>
+          <p:cNvPr id="34" name="TextBox 33">
+            <a:extLst>
+              <a:ext uri="{FF2B5EF4-FFF2-40B4-BE49-F238E27FC236}">
+                <a16:creationId xmlns:a16="http://schemas.microsoft.com/office/drawing/2014/main" id="{B3750EE9-C77C-4527-8A99-4C3BF02CA397}"/>
+              </a:ext>
+            </a:extLst>
+          </p:cNvPr>
+          <p:cNvSpPr txBox="1"/>
+          <p:nvPr/>
+        </p:nvSpPr>
+        <p:spPr>
+          <a:xfrm>
+            <a:off x="9702800" y="3223280"/>
+            <a:ext cx="1651000" cy="523220"/>
+          </a:xfrm>
+          <a:prstGeom prst="rect">
+            <a:avLst/>
+          </a:prstGeom>
+          <a:noFill/>
+        </p:spPr>
+        <p:txBody>
+          <a:bodyPr wrap="square" rtlCol="0">
+            <a:spAutoFit/>
+          </a:bodyPr>
+          <a:lstStyle/>
+          <a:p>
+            <a:r>
+              <a:rPr lang="en-US" dirty="0"/>
+              <a:t>Source  1</a:t>
+            </a:r>
+            <a:endParaRPr lang="th-TH" dirty="0"/>
+          </a:p>
+        </p:txBody>
+      </p:sp>
+      <p:sp>
+        <p:nvSpPr>
+          <p:cNvPr id="35" name="TextBox 34">
+            <a:extLst>
+              <a:ext uri="{FF2B5EF4-FFF2-40B4-BE49-F238E27FC236}">
+                <a16:creationId xmlns:a16="http://schemas.microsoft.com/office/drawing/2014/main" id="{96440793-16D6-4027-ABEF-3F404635CF03}"/>
+              </a:ext>
+            </a:extLst>
+          </p:cNvPr>
+          <p:cNvSpPr txBox="1"/>
+          <p:nvPr/>
+        </p:nvSpPr>
+        <p:spPr>
+          <a:xfrm>
+            <a:off x="8870950" y="209869"/>
+            <a:ext cx="1651000" cy="523220"/>
+          </a:xfrm>
+          <a:prstGeom prst="rect">
+            <a:avLst/>
+          </a:prstGeom>
+          <a:noFill/>
+        </p:spPr>
+        <p:txBody>
+          <a:bodyPr wrap="square" rtlCol="0">
+            <a:spAutoFit/>
+          </a:bodyPr>
+          <a:lstStyle/>
+          <a:p>
+            <a:r>
+              <a:rPr lang="en-US" dirty="0"/>
+              <a:t>Source  2</a:t>
+            </a:r>
+            <a:endParaRPr lang="th-TH" dirty="0"/>
+          </a:p>
+        </p:txBody>
+      </p:sp>
+      <p:sp>
+        <p:nvSpPr>
+          <p:cNvPr id="36" name="TextBox 35">
+            <a:extLst>
+              <a:ext uri="{FF2B5EF4-FFF2-40B4-BE49-F238E27FC236}">
+                <a16:creationId xmlns:a16="http://schemas.microsoft.com/office/drawing/2014/main" id="{4FF7FEBF-D14E-4983-8F74-F58CB2841FB4}"/>
+              </a:ext>
+            </a:extLst>
+          </p:cNvPr>
+          <p:cNvSpPr txBox="1"/>
+          <p:nvPr/>
+        </p:nvSpPr>
+        <p:spPr>
+          <a:xfrm>
+            <a:off x="893779" y="5188943"/>
+            <a:ext cx="1651000" cy="523220"/>
+          </a:xfrm>
+          <a:prstGeom prst="rect">
+            <a:avLst/>
+          </a:prstGeom>
+          <a:noFill/>
+        </p:spPr>
+        <p:txBody>
+          <a:bodyPr wrap="square" rtlCol="0">
+            <a:spAutoFit/>
+          </a:bodyPr>
+          <a:lstStyle/>
+          <a:p>
+            <a:r>
+              <a:rPr lang="en-US" dirty="0"/>
+              <a:t>Source  3</a:t>
+            </a:r>
             <a:endParaRPr lang="th-TH" dirty="0"/>
           </a:p>
         </p:txBody>
@@ -7260,7 +8123,7 @@
           <p:cNvPr id="2" name="Title 1">
             <a:extLst>
               <a:ext uri="{FF2B5EF4-FFF2-40B4-BE49-F238E27FC236}">
-                <a16:creationId xmlns:a16="http://schemas.microsoft.com/office/drawing/2014/main" id="{14612ABF-29FA-4DE5-81E5-A04579CB3421}"/>
+                <a16:creationId xmlns:a16="http://schemas.microsoft.com/office/drawing/2014/main" id="{EF67F6D2-21DB-47E7-9B8A-315BBFCA49E0}"/>
               </a:ext>
             </a:extLst>
           </p:cNvPr>
@@ -7276,31 +8139,853 @@
           <a:bodyPr/>
           <a:lstStyle/>
           <a:p>
+            <a:r>
+              <a:rPr lang="en-US" b="1" dirty="0"/>
+              <a:t>Scene/Transition concept</a:t>
+            </a:r>
+            <a:endParaRPr lang="th-TH" b="1" dirty="0"/>
+          </a:p>
+        </p:txBody>
+      </p:sp>
+      <p:grpSp>
+        <p:nvGrpSpPr>
+          <p:cNvPr id="31" name="Group 30">
+            <a:extLst>
+              <a:ext uri="{FF2B5EF4-FFF2-40B4-BE49-F238E27FC236}">
+                <a16:creationId xmlns:a16="http://schemas.microsoft.com/office/drawing/2014/main" id="{0B85536C-E360-480D-8FAB-5A37752511A2}"/>
+              </a:ext>
+            </a:extLst>
+          </p:cNvPr>
+          <p:cNvGrpSpPr/>
+          <p:nvPr/>
+        </p:nvGrpSpPr>
+        <p:grpSpPr>
+          <a:xfrm>
+            <a:off x="1886144" y="1690688"/>
+            <a:ext cx="3892356" cy="2106612"/>
+            <a:chOff x="5005714" y="1843088"/>
+            <a:chExt cx="6951304" cy="3887650"/>
+          </a:xfrm>
+        </p:grpSpPr>
+        <p:pic>
+          <p:nvPicPr>
+            <p:cNvPr id="14" name="Picture 13" descr="A close up of a logo&#10;&#10;Description automatically generated">
+              <a:extLst>
+                <a:ext uri="{FF2B5EF4-FFF2-40B4-BE49-F238E27FC236}">
+                  <a16:creationId xmlns:a16="http://schemas.microsoft.com/office/drawing/2014/main" id="{7C2BBD9E-B89B-4927-87B9-52A4C83AC76D}"/>
+                </a:ext>
+              </a:extLst>
+            </p:cNvPr>
+            <p:cNvPicPr>
+              <a:picLocks noChangeAspect="1"/>
+            </p:cNvPicPr>
+            <p:nvPr/>
+          </p:nvPicPr>
+          <p:blipFill>
+            <a:blip r:embed="rId2">
+              <a:extLst>
+                <a:ext uri="{28A0092B-C50C-407E-A947-70E740481C1C}">
+                  <a14:useLocalDpi xmlns:a14="http://schemas.microsoft.com/office/drawing/2010/main" val="0"/>
+                </a:ext>
+              </a:extLst>
+            </a:blip>
+            <a:stretch>
+              <a:fillRect/>
+            </a:stretch>
+          </p:blipFill>
+          <p:spPr>
+            <a:xfrm>
+              <a:off x="5016241" y="1843088"/>
+              <a:ext cx="6940777" cy="3887650"/>
+            </a:xfrm>
+            <a:prstGeom prst="rect">
+              <a:avLst/>
+            </a:prstGeom>
+            <a:ln>
+              <a:solidFill>
+                <a:srgbClr val="00B050"/>
+              </a:solidFill>
+            </a:ln>
+          </p:spPr>
+        </p:pic>
+        <p:grpSp>
+          <p:nvGrpSpPr>
+            <p:cNvPr id="25" name="Group 24">
+              <a:extLst>
+                <a:ext uri="{FF2B5EF4-FFF2-40B4-BE49-F238E27FC236}">
+                  <a16:creationId xmlns:a16="http://schemas.microsoft.com/office/drawing/2014/main" id="{D767DB21-9548-4909-A8E7-422FC1466798}"/>
+                </a:ext>
+              </a:extLst>
+            </p:cNvPr>
+            <p:cNvGrpSpPr/>
+            <p:nvPr/>
+          </p:nvGrpSpPr>
+          <p:grpSpPr>
+            <a:xfrm>
+              <a:off x="9829813" y="1982788"/>
+              <a:ext cx="1522064" cy="1253258"/>
+              <a:chOff x="2095513" y="3297447"/>
+              <a:chExt cx="1522064" cy="1253258"/>
+            </a:xfrm>
+          </p:grpSpPr>
+          <p:sp>
+            <p:nvSpPr>
+              <p:cNvPr id="26" name="Rectangle 25">
+                <a:extLst>
+                  <a:ext uri="{FF2B5EF4-FFF2-40B4-BE49-F238E27FC236}">
+                    <a16:creationId xmlns:a16="http://schemas.microsoft.com/office/drawing/2014/main" id="{7F8E0D48-C29F-4568-8574-A7D1EB20CF23}"/>
+                  </a:ext>
+                </a:extLst>
+              </p:cNvPr>
+              <p:cNvSpPr/>
+              <p:nvPr/>
+            </p:nvSpPr>
+            <p:spPr>
+              <a:xfrm>
+                <a:off x="2095513" y="3297447"/>
+                <a:ext cx="1522064" cy="1253258"/>
+              </a:xfrm>
+              <a:prstGeom prst="rect">
+                <a:avLst/>
+              </a:prstGeom>
+            </p:spPr>
+            <p:style>
+              <a:lnRef idx="2">
+                <a:schemeClr val="accent1"/>
+              </a:lnRef>
+              <a:fillRef idx="1">
+                <a:schemeClr val="lt1"/>
+              </a:fillRef>
+              <a:effectRef idx="0">
+                <a:schemeClr val="accent1"/>
+              </a:effectRef>
+              <a:fontRef idx="minor">
+                <a:schemeClr val="dk1"/>
+              </a:fontRef>
+            </p:style>
+            <p:txBody>
+              <a:bodyPr rtlCol="0" anchor="ctr"/>
+              <a:lstStyle/>
+              <a:p>
+                <a:pPr algn="ctr"/>
+                <a:endParaRPr lang="th-TH"/>
+              </a:p>
+            </p:txBody>
+          </p:sp>
+          <p:pic>
+            <p:nvPicPr>
+              <p:cNvPr id="27" name="Picture 26" descr="A close up of a logo&#10;&#10;Description automatically generated">
+                <a:extLst>
+                  <a:ext uri="{FF2B5EF4-FFF2-40B4-BE49-F238E27FC236}">
+                    <a16:creationId xmlns:a16="http://schemas.microsoft.com/office/drawing/2014/main" id="{E6EBA232-5D1C-4EB7-B7FB-7ECF1117842B}"/>
+                  </a:ext>
+                </a:extLst>
+              </p:cNvPr>
+              <p:cNvPicPr>
+                <a:picLocks noChangeAspect="1"/>
+              </p:cNvPicPr>
+              <p:nvPr/>
+            </p:nvPicPr>
+            <p:blipFill>
+              <a:blip r:embed="rId3">
+                <a:extLst>
+                  <a:ext uri="{28A0092B-C50C-407E-A947-70E740481C1C}">
+                    <a14:useLocalDpi xmlns:a14="http://schemas.microsoft.com/office/drawing/2010/main" val="0"/>
+                  </a:ext>
+                </a:extLst>
+              </a:blip>
+              <a:stretch>
+                <a:fillRect/>
+              </a:stretch>
+            </p:blipFill>
+            <p:spPr>
+              <a:xfrm>
+                <a:off x="2422568" y="3429002"/>
+                <a:ext cx="949287" cy="949287"/>
+              </a:xfrm>
+              <a:prstGeom prst="rect">
+                <a:avLst/>
+              </a:prstGeom>
+            </p:spPr>
+          </p:pic>
+        </p:grpSp>
+        <p:sp>
+          <p:nvSpPr>
+            <p:cNvPr id="29" name="Rectangle 28">
+              <a:extLst>
+                <a:ext uri="{FF2B5EF4-FFF2-40B4-BE49-F238E27FC236}">
+                  <a16:creationId xmlns:a16="http://schemas.microsoft.com/office/drawing/2014/main" id="{68462A3F-AEEC-4BE7-8853-B1546868A6A8}"/>
+                </a:ext>
+              </a:extLst>
+            </p:cNvPr>
+            <p:cNvSpPr/>
+            <p:nvPr/>
+          </p:nvSpPr>
+          <p:spPr>
+            <a:xfrm>
+              <a:off x="5005714" y="5027990"/>
+              <a:ext cx="2559308" cy="702748"/>
+            </a:xfrm>
+            <a:prstGeom prst="rect">
+              <a:avLst/>
+            </a:prstGeom>
+            <a:noFill/>
+            <a:ln>
+              <a:noFill/>
+            </a:ln>
+          </p:spPr>
+          <p:style>
+            <a:lnRef idx="2">
+              <a:schemeClr val="accent1"/>
+            </a:lnRef>
+            <a:fillRef idx="1">
+              <a:schemeClr val="lt1"/>
+            </a:fillRef>
+            <a:effectRef idx="0">
+              <a:schemeClr val="accent1"/>
+            </a:effectRef>
+            <a:fontRef idx="minor">
+              <a:schemeClr val="dk1"/>
+            </a:fontRef>
+          </p:style>
+          <p:txBody>
+            <a:bodyPr rtlCol="0" anchor="ctr"/>
+            <a:lstStyle/>
+            <a:p>
+              <a:pPr algn="ctr"/>
+              <a:r>
+                <a:rPr lang="en-US" sz="1050" dirty="0">
+                  <a:solidFill>
+                    <a:schemeClr val="accent6">
+                      <a:lumMod val="50000"/>
+                    </a:schemeClr>
+                  </a:solidFill>
+                  <a:effectLst>
+                    <a:outerShdw blurRad="38100" dist="38100" dir="2700000" algn="tl">
+                      <a:srgbClr val="000000">
+                        <a:alpha val="43137"/>
+                      </a:srgbClr>
+                    </a:outerShdw>
+                  </a:effectLst>
+                </a:rPr>
+                <a:t>Software Engineering</a:t>
+              </a:r>
+              <a:endParaRPr lang="th-TH" sz="1050" dirty="0">
+                <a:solidFill>
+                  <a:schemeClr val="accent6">
+                    <a:lumMod val="50000"/>
+                  </a:schemeClr>
+                </a:solidFill>
+                <a:effectLst>
+                  <a:outerShdw blurRad="38100" dist="38100" dir="2700000" algn="tl">
+                    <a:srgbClr val="000000">
+                      <a:alpha val="43137"/>
+                    </a:srgbClr>
+                  </a:outerShdw>
+                </a:effectLst>
+              </a:endParaRPr>
+            </a:p>
+          </p:txBody>
+        </p:sp>
+      </p:grpSp>
+      <p:sp>
+        <p:nvSpPr>
+          <p:cNvPr id="3" name="TextBox 2">
+            <a:extLst>
+              <a:ext uri="{FF2B5EF4-FFF2-40B4-BE49-F238E27FC236}">
+                <a16:creationId xmlns:a16="http://schemas.microsoft.com/office/drawing/2014/main" id="{93C37ACE-355F-46FA-9D0A-FCB4713A01E1}"/>
+              </a:ext>
+            </a:extLst>
+          </p:cNvPr>
+          <p:cNvSpPr txBox="1"/>
+          <p:nvPr/>
+        </p:nvSpPr>
+        <p:spPr>
+          <a:xfrm>
+            <a:off x="266700" y="1766388"/>
+            <a:ext cx="1433075" cy="1200329"/>
+          </a:xfrm>
+          <a:prstGeom prst="rect">
+            <a:avLst/>
+          </a:prstGeom>
+          <a:noFill/>
+        </p:spPr>
+        <p:txBody>
+          <a:bodyPr wrap="square" rtlCol="0">
+            <a:spAutoFit/>
+          </a:bodyPr>
+          <a:lstStyle/>
+          <a:p>
+            <a:r>
+              <a:rPr lang="en-US" sz="1800" dirty="0">
+                <a:solidFill>
+                  <a:schemeClr val="accent6">
+                    <a:lumMod val="50000"/>
+                  </a:schemeClr>
+                </a:solidFill>
+                <a:latin typeface="Atlanta" panose="020B0502020202020204" pitchFamily="34" charset="0"/>
+              </a:rPr>
+              <a:t>Scene 1</a:t>
+            </a:r>
+          </a:p>
+          <a:p>
+            <a:pPr marL="182563" lvl="1"/>
+            <a:r>
+              <a:rPr lang="en-US" sz="1800" dirty="0">
+                <a:solidFill>
+                  <a:schemeClr val="accent6">
+                    <a:lumMod val="50000"/>
+                  </a:schemeClr>
+                </a:solidFill>
+                <a:latin typeface="Atlanta" panose="020B0502020202020204" pitchFamily="34" charset="0"/>
+              </a:rPr>
+              <a:t>Source 1</a:t>
+            </a:r>
+          </a:p>
+          <a:p>
+            <a:pPr marL="182563" lvl="1"/>
+            <a:r>
+              <a:rPr lang="en-US" sz="1800" dirty="0">
+                <a:solidFill>
+                  <a:schemeClr val="accent6">
+                    <a:lumMod val="50000"/>
+                  </a:schemeClr>
+                </a:solidFill>
+                <a:latin typeface="Atlanta" panose="020B0502020202020204" pitchFamily="34" charset="0"/>
+              </a:rPr>
+              <a:t>Source 2</a:t>
+            </a:r>
+          </a:p>
+          <a:p>
+            <a:pPr marL="182563" lvl="1"/>
+            <a:r>
+              <a:rPr lang="en-US" sz="1800" dirty="0">
+                <a:solidFill>
+                  <a:schemeClr val="accent6">
+                    <a:lumMod val="50000"/>
+                  </a:schemeClr>
+                </a:solidFill>
+                <a:latin typeface="Atlanta" panose="020B0502020202020204" pitchFamily="34" charset="0"/>
+              </a:rPr>
+              <a:t>Source 3</a:t>
+            </a:r>
+            <a:endParaRPr lang="th-TH" sz="1800" dirty="0">
+              <a:solidFill>
+                <a:schemeClr val="accent6">
+                  <a:lumMod val="50000"/>
+                </a:schemeClr>
+              </a:solidFill>
+              <a:latin typeface="Atlanta" panose="020B0502020202020204" pitchFamily="34" charset="0"/>
+            </a:endParaRPr>
+          </a:p>
+        </p:txBody>
+      </p:sp>
+      <p:sp>
+        <p:nvSpPr>
+          <p:cNvPr id="42" name="TextBox 41">
+            <a:extLst>
+              <a:ext uri="{FF2B5EF4-FFF2-40B4-BE49-F238E27FC236}">
+                <a16:creationId xmlns:a16="http://schemas.microsoft.com/office/drawing/2014/main" id="{A10A31DB-19C0-48AC-A070-CB807708EC49}"/>
+              </a:ext>
+            </a:extLst>
+          </p:cNvPr>
+          <p:cNvSpPr txBox="1"/>
+          <p:nvPr/>
+        </p:nvSpPr>
+        <p:spPr>
+          <a:xfrm>
+            <a:off x="266700" y="4410528"/>
+            <a:ext cx="1433075" cy="923330"/>
+          </a:xfrm>
+          <a:prstGeom prst="rect">
+            <a:avLst/>
+          </a:prstGeom>
+          <a:noFill/>
+        </p:spPr>
+        <p:txBody>
+          <a:bodyPr wrap="square" rtlCol="0">
+            <a:spAutoFit/>
+          </a:bodyPr>
+          <a:lstStyle/>
+          <a:p>
+            <a:r>
+              <a:rPr lang="en-US" sz="1800" dirty="0">
+                <a:solidFill>
+                  <a:schemeClr val="accent6">
+                    <a:lumMod val="50000"/>
+                  </a:schemeClr>
+                </a:solidFill>
+                <a:latin typeface="Atlanta" panose="020B0502020202020204" pitchFamily="34" charset="0"/>
+              </a:rPr>
+              <a:t>Scene 2</a:t>
+            </a:r>
+          </a:p>
+          <a:p>
+            <a:pPr marL="182563" lvl="1"/>
+            <a:r>
+              <a:rPr lang="en-US" sz="1800" dirty="0">
+                <a:solidFill>
+                  <a:schemeClr val="accent6">
+                    <a:lumMod val="50000"/>
+                  </a:schemeClr>
+                </a:solidFill>
+                <a:latin typeface="Atlanta" panose="020B0502020202020204" pitchFamily="34" charset="0"/>
+              </a:rPr>
+              <a:t>Source 1</a:t>
+            </a:r>
+          </a:p>
+          <a:p>
+            <a:pPr marL="182563" lvl="1"/>
+            <a:r>
+              <a:rPr lang="en-US" sz="1800" dirty="0">
+                <a:solidFill>
+                  <a:schemeClr val="accent6">
+                    <a:lumMod val="50000"/>
+                  </a:schemeClr>
+                </a:solidFill>
+                <a:latin typeface="Atlanta" panose="020B0502020202020204" pitchFamily="34" charset="0"/>
+              </a:rPr>
+              <a:t>Source 3</a:t>
+            </a:r>
+            <a:endParaRPr lang="th-TH" sz="1800" dirty="0">
+              <a:solidFill>
+                <a:schemeClr val="accent6">
+                  <a:lumMod val="50000"/>
+                </a:schemeClr>
+              </a:solidFill>
+              <a:latin typeface="Atlanta" panose="020B0502020202020204" pitchFamily="34" charset="0"/>
+            </a:endParaRPr>
+          </a:p>
+        </p:txBody>
+      </p:sp>
+      <p:grpSp>
+        <p:nvGrpSpPr>
+          <p:cNvPr id="44" name="Group 43">
+            <a:extLst>
+              <a:ext uri="{FF2B5EF4-FFF2-40B4-BE49-F238E27FC236}">
+                <a16:creationId xmlns:a16="http://schemas.microsoft.com/office/drawing/2014/main" id="{E709E2EA-E3DE-4BAC-B275-8253C19E4F74}"/>
+              </a:ext>
+            </a:extLst>
+          </p:cNvPr>
+          <p:cNvGrpSpPr/>
+          <p:nvPr/>
+        </p:nvGrpSpPr>
+        <p:grpSpPr>
+          <a:xfrm>
+            <a:off x="1886144" y="4022408"/>
+            <a:ext cx="3892356" cy="2106612"/>
+            <a:chOff x="5005714" y="1843088"/>
+            <a:chExt cx="6951304" cy="3887650"/>
+          </a:xfrm>
+        </p:grpSpPr>
+        <p:pic>
+          <p:nvPicPr>
+            <p:cNvPr id="45" name="Picture 44" descr="A close up of a logo&#10;&#10;Description automatically generated">
+              <a:extLst>
+                <a:ext uri="{FF2B5EF4-FFF2-40B4-BE49-F238E27FC236}">
+                  <a16:creationId xmlns:a16="http://schemas.microsoft.com/office/drawing/2014/main" id="{B2BC4C81-E04B-4409-B486-851B9FDA3DD3}"/>
+                </a:ext>
+              </a:extLst>
+            </p:cNvPr>
+            <p:cNvPicPr>
+              <a:picLocks noChangeAspect="1"/>
+            </p:cNvPicPr>
+            <p:nvPr/>
+          </p:nvPicPr>
+          <p:blipFill>
+            <a:blip r:embed="rId2">
+              <a:extLst>
+                <a:ext uri="{28A0092B-C50C-407E-A947-70E740481C1C}">
+                  <a14:useLocalDpi xmlns:a14="http://schemas.microsoft.com/office/drawing/2010/main" val="0"/>
+                </a:ext>
+              </a:extLst>
+            </a:blip>
+            <a:stretch>
+              <a:fillRect/>
+            </a:stretch>
+          </p:blipFill>
+          <p:spPr>
+            <a:xfrm>
+              <a:off x="5016241" y="1843088"/>
+              <a:ext cx="6940777" cy="3887650"/>
+            </a:xfrm>
+            <a:prstGeom prst="rect">
+              <a:avLst/>
+            </a:prstGeom>
+            <a:ln>
+              <a:solidFill>
+                <a:srgbClr val="00B050"/>
+              </a:solidFill>
+            </a:ln>
+          </p:spPr>
+        </p:pic>
+        <p:sp>
+          <p:nvSpPr>
+            <p:cNvPr id="47" name="Rectangle 46">
+              <a:extLst>
+                <a:ext uri="{FF2B5EF4-FFF2-40B4-BE49-F238E27FC236}">
+                  <a16:creationId xmlns:a16="http://schemas.microsoft.com/office/drawing/2014/main" id="{6688A1D3-F61A-4C79-9DA4-626C024A101E}"/>
+                </a:ext>
+              </a:extLst>
+            </p:cNvPr>
+            <p:cNvSpPr/>
+            <p:nvPr/>
+          </p:nvSpPr>
+          <p:spPr>
+            <a:xfrm>
+              <a:off x="5005714" y="5027990"/>
+              <a:ext cx="2559308" cy="702748"/>
+            </a:xfrm>
+            <a:prstGeom prst="rect">
+              <a:avLst/>
+            </a:prstGeom>
+            <a:noFill/>
+            <a:ln>
+              <a:noFill/>
+            </a:ln>
+          </p:spPr>
+          <p:style>
+            <a:lnRef idx="2">
+              <a:schemeClr val="accent1"/>
+            </a:lnRef>
+            <a:fillRef idx="1">
+              <a:schemeClr val="lt1"/>
+            </a:fillRef>
+            <a:effectRef idx="0">
+              <a:schemeClr val="accent1"/>
+            </a:effectRef>
+            <a:fontRef idx="minor">
+              <a:schemeClr val="dk1"/>
+            </a:fontRef>
+          </p:style>
+          <p:txBody>
+            <a:bodyPr rtlCol="0" anchor="ctr"/>
+            <a:lstStyle/>
+            <a:p>
+              <a:pPr algn="ctr"/>
+              <a:r>
+                <a:rPr lang="en-US" sz="1050" dirty="0">
+                  <a:solidFill>
+                    <a:schemeClr val="accent6">
+                      <a:lumMod val="50000"/>
+                    </a:schemeClr>
+                  </a:solidFill>
+                  <a:effectLst>
+                    <a:outerShdw blurRad="38100" dist="38100" dir="2700000" algn="tl">
+                      <a:srgbClr val="000000">
+                        <a:alpha val="43137"/>
+                      </a:srgbClr>
+                    </a:outerShdw>
+                  </a:effectLst>
+                </a:rPr>
+                <a:t>Software Engineering</a:t>
+              </a:r>
+              <a:endParaRPr lang="th-TH" sz="1050" dirty="0">
+                <a:solidFill>
+                  <a:schemeClr val="accent6">
+                    <a:lumMod val="50000"/>
+                  </a:schemeClr>
+                </a:solidFill>
+                <a:effectLst>
+                  <a:outerShdw blurRad="38100" dist="38100" dir="2700000" algn="tl">
+                    <a:srgbClr val="000000">
+                      <a:alpha val="43137"/>
+                    </a:srgbClr>
+                  </a:outerShdw>
+                </a:effectLst>
+              </a:endParaRPr>
+            </a:p>
+          </p:txBody>
+        </p:sp>
+      </p:grpSp>
+      <p:pic>
+        <p:nvPicPr>
+          <p:cNvPr id="6" name="Picture 5" descr="A close up of a logo&#10;&#10;Description automatically generated">
+            <a:extLst>
+              <a:ext uri="{FF2B5EF4-FFF2-40B4-BE49-F238E27FC236}">
+                <a16:creationId xmlns:a16="http://schemas.microsoft.com/office/drawing/2014/main" id="{86D1AAFE-6CA2-40F6-A2AB-9CD112BD3DBE}"/>
+              </a:ext>
+            </a:extLst>
+          </p:cNvPr>
+          <p:cNvPicPr>
+            <a:picLocks noChangeAspect="1"/>
+          </p:cNvPicPr>
+          <p:nvPr/>
+        </p:nvPicPr>
+        <p:blipFill>
+          <a:blip r:embed="rId4">
+            <a:extLst>
+              <a:ext uri="{28A0092B-C50C-407E-A947-70E740481C1C}">
+                <a14:useLocalDpi xmlns:a14="http://schemas.microsoft.com/office/drawing/2010/main" val="0"/>
+              </a:ext>
+            </a:extLst>
+          </a:blip>
+          <a:stretch>
+            <a:fillRect/>
+          </a:stretch>
+        </p:blipFill>
+        <p:spPr>
+          <a:xfrm>
+            <a:off x="6096000" y="3429000"/>
+            <a:ext cx="1060101" cy="860002"/>
+          </a:xfrm>
+          <a:prstGeom prst="rect">
+            <a:avLst/>
+          </a:prstGeom>
+        </p:spPr>
+      </p:pic>
+      <p:pic>
+        <p:nvPicPr>
+          <p:cNvPr id="8" name="Picture 7" descr="A close up of a logo&#10;&#10;Description automatically generated">
+            <a:extLst>
+              <a:ext uri="{FF2B5EF4-FFF2-40B4-BE49-F238E27FC236}">
+                <a16:creationId xmlns:a16="http://schemas.microsoft.com/office/drawing/2014/main" id="{EE00C62D-754A-4B36-A3CC-581C83805D45}"/>
+              </a:ext>
+            </a:extLst>
+          </p:cNvPr>
+          <p:cNvPicPr>
+            <a:picLocks noChangeAspect="1"/>
+          </p:cNvPicPr>
+          <p:nvPr/>
+        </p:nvPicPr>
+        <p:blipFill>
+          <a:blip r:embed="rId5">
+            <a:extLst>
+              <a:ext uri="{28A0092B-C50C-407E-A947-70E740481C1C}">
+                <a14:useLocalDpi xmlns:a14="http://schemas.microsoft.com/office/drawing/2010/main" val="0"/>
+              </a:ext>
+            </a:extLst>
+          </a:blip>
+          <a:stretch>
+            <a:fillRect/>
+          </a:stretch>
+        </p:blipFill>
+        <p:spPr>
+          <a:xfrm>
+            <a:off x="7696521" y="2844799"/>
+            <a:ext cx="1942257" cy="1058863"/>
+          </a:xfrm>
+          <a:prstGeom prst="rect">
+            <a:avLst/>
+          </a:prstGeom>
+        </p:spPr>
+      </p:pic>
+      <p:pic>
+        <p:nvPicPr>
+          <p:cNvPr id="11" name="Picture 10" descr="A close up of a logo&#10;&#10;Description automatically generated">
+            <a:extLst>
+              <a:ext uri="{FF2B5EF4-FFF2-40B4-BE49-F238E27FC236}">
+                <a16:creationId xmlns:a16="http://schemas.microsoft.com/office/drawing/2014/main" id="{470AD18E-CBB8-412B-BB86-E5CECE663BD9}"/>
+              </a:ext>
+            </a:extLst>
+          </p:cNvPr>
+          <p:cNvPicPr>
+            <a:picLocks noChangeAspect="1"/>
+          </p:cNvPicPr>
+          <p:nvPr/>
+        </p:nvPicPr>
+        <p:blipFill>
+          <a:blip r:embed="rId6">
+            <a:extLst>
+              <a:ext uri="{28A0092B-C50C-407E-A947-70E740481C1C}">
+                <a14:useLocalDpi xmlns:a14="http://schemas.microsoft.com/office/drawing/2010/main" val="0"/>
+              </a:ext>
+            </a:extLst>
+          </a:blip>
+          <a:stretch>
+            <a:fillRect/>
+          </a:stretch>
+        </p:blipFill>
+        <p:spPr>
+          <a:xfrm>
+            <a:off x="9686368" y="2844799"/>
+            <a:ext cx="1994078" cy="1084008"/>
+          </a:xfrm>
+          <a:prstGeom prst="rect">
+            <a:avLst/>
+          </a:prstGeom>
+        </p:spPr>
+      </p:pic>
+      <p:sp>
+        <p:nvSpPr>
+          <p:cNvPr id="13" name="Arrow: Right 12">
+            <a:extLst>
+              <a:ext uri="{FF2B5EF4-FFF2-40B4-BE49-F238E27FC236}">
+                <a16:creationId xmlns:a16="http://schemas.microsoft.com/office/drawing/2014/main" id="{9D439F55-3A9D-431E-9B7B-BDCD5058624C}"/>
+              </a:ext>
+            </a:extLst>
+          </p:cNvPr>
+          <p:cNvSpPr/>
+          <p:nvPr/>
+        </p:nvSpPr>
+        <p:spPr>
+          <a:xfrm>
+            <a:off x="7696521" y="4022407"/>
+            <a:ext cx="4190679" cy="543593"/>
+          </a:xfrm>
+          <a:prstGeom prst="rightArrow">
+            <a:avLst/>
+          </a:prstGeom>
+          <a:solidFill>
+            <a:schemeClr val="accent6">
+              <a:lumMod val="40000"/>
+              <a:lumOff val="60000"/>
+            </a:schemeClr>
+          </a:solidFill>
+        </p:spPr>
+        <p:style>
+          <a:lnRef idx="1">
+            <a:schemeClr val="accent6"/>
+          </a:lnRef>
+          <a:fillRef idx="2">
+            <a:schemeClr val="accent6"/>
+          </a:fillRef>
+          <a:effectRef idx="1">
+            <a:schemeClr val="accent6"/>
+          </a:effectRef>
+          <a:fontRef idx="minor">
+            <a:schemeClr val="dk1"/>
+          </a:fontRef>
+        </p:style>
+        <p:txBody>
+          <a:bodyPr rtlCol="0" anchor="ctr"/>
+          <a:lstStyle/>
+          <a:p>
+            <a:pPr algn="ctr"/>
             <a:endParaRPr lang="th-TH"/>
           </a:p>
         </p:txBody>
       </p:sp>
       <p:sp>
         <p:nvSpPr>
-          <p:cNvPr id="3" name="Content Placeholder 2">
-            <a:extLst>
-              <a:ext uri="{FF2B5EF4-FFF2-40B4-BE49-F238E27FC236}">
-                <a16:creationId xmlns:a16="http://schemas.microsoft.com/office/drawing/2014/main" id="{12869CDB-6C49-416F-AA32-49596CF7C600}"/>
-              </a:ext>
-            </a:extLst>
-          </p:cNvPr>
-          <p:cNvSpPr>
-            <a:spLocks noGrp="1"/>
-          </p:cNvSpPr>
-          <p:nvPr>
-            <p:ph idx="1"/>
-          </p:nvPr>
-        </p:nvSpPr>
-        <p:spPr/>
-        <p:txBody>
-          <a:bodyPr/>
+          <p:cNvPr id="16" name="Rectangle 15">
+            <a:extLst>
+              <a:ext uri="{FF2B5EF4-FFF2-40B4-BE49-F238E27FC236}">
+                <a16:creationId xmlns:a16="http://schemas.microsoft.com/office/drawing/2014/main" id="{044EB660-3E2D-4CB4-98CC-4ABB84720F9E}"/>
+              </a:ext>
+            </a:extLst>
+          </p:cNvPr>
+          <p:cNvSpPr/>
+          <p:nvPr/>
+        </p:nvSpPr>
+        <p:spPr>
+          <a:xfrm>
+            <a:off x="8278760" y="4150502"/>
+            <a:ext cx="777777" cy="276999"/>
+          </a:xfrm>
+          <a:prstGeom prst="rect">
+            <a:avLst/>
+          </a:prstGeom>
+        </p:spPr>
+        <p:txBody>
+          <a:bodyPr wrap="none">
+            <a:spAutoFit/>
+          </a:bodyPr>
           <a:lstStyle/>
           <a:p>
+            <a:r>
+              <a:rPr lang="en-US" sz="1200" dirty="0">
+                <a:solidFill>
+                  <a:schemeClr val="accent6">
+                    <a:lumMod val="50000"/>
+                  </a:schemeClr>
+                </a:solidFill>
+                <a:latin typeface="Atlanta" panose="020B0502020202020204" pitchFamily="34" charset="0"/>
+              </a:rPr>
+              <a:t>Scene 1</a:t>
+            </a:r>
+          </a:p>
+        </p:txBody>
+      </p:sp>
+      <p:sp>
+        <p:nvSpPr>
+          <p:cNvPr id="56" name="Rectangle 55">
+            <a:extLst>
+              <a:ext uri="{FF2B5EF4-FFF2-40B4-BE49-F238E27FC236}">
+                <a16:creationId xmlns:a16="http://schemas.microsoft.com/office/drawing/2014/main" id="{C32A6BE2-74D7-4BFB-B742-830A27D01430}"/>
+              </a:ext>
+            </a:extLst>
+          </p:cNvPr>
+          <p:cNvSpPr/>
+          <p:nvPr/>
+        </p:nvSpPr>
+        <p:spPr>
+          <a:xfrm>
+            <a:off x="10196781" y="4150502"/>
+            <a:ext cx="777777" cy="276999"/>
+          </a:xfrm>
+          <a:prstGeom prst="rect">
+            <a:avLst/>
+          </a:prstGeom>
+        </p:spPr>
+        <p:txBody>
+          <a:bodyPr wrap="none">
+            <a:spAutoFit/>
+          </a:bodyPr>
+          <a:lstStyle/>
+          <a:p>
+            <a:r>
+              <a:rPr lang="en-US" sz="1200" dirty="0">
+                <a:solidFill>
+                  <a:schemeClr val="accent6">
+                    <a:lumMod val="50000"/>
+                  </a:schemeClr>
+                </a:solidFill>
+                <a:latin typeface="Atlanta" panose="020B0502020202020204" pitchFamily="34" charset="0"/>
+              </a:rPr>
+              <a:t>Scene 2</a:t>
+            </a:r>
+          </a:p>
+        </p:txBody>
+      </p:sp>
+      <p:sp>
+        <p:nvSpPr>
+          <p:cNvPr id="18" name="Rectangle 17">
+            <a:extLst>
+              <a:ext uri="{FF2B5EF4-FFF2-40B4-BE49-F238E27FC236}">
+                <a16:creationId xmlns:a16="http://schemas.microsoft.com/office/drawing/2014/main" id="{357A2B6B-0088-4BB4-A7EC-8EA049B09321}"/>
+              </a:ext>
+            </a:extLst>
+          </p:cNvPr>
+          <p:cNvSpPr/>
+          <p:nvPr/>
+        </p:nvSpPr>
+        <p:spPr>
+          <a:xfrm>
+            <a:off x="9638778" y="4150502"/>
+            <a:ext cx="47590" cy="276999"/>
+          </a:xfrm>
+          <a:prstGeom prst="rect">
+            <a:avLst/>
+          </a:prstGeom>
+          <a:solidFill>
+            <a:schemeClr val="accent6">
+              <a:lumMod val="75000"/>
+            </a:schemeClr>
+          </a:solidFill>
+          <a:ln>
+            <a:noFill/>
+          </a:ln>
+        </p:spPr>
+        <p:style>
+          <a:lnRef idx="1">
+            <a:schemeClr val="accent6"/>
+          </a:lnRef>
+          <a:fillRef idx="3">
+            <a:schemeClr val="accent6"/>
+          </a:fillRef>
+          <a:effectRef idx="2">
+            <a:schemeClr val="accent6"/>
+          </a:effectRef>
+          <a:fontRef idx="minor">
+            <a:schemeClr val="lt1"/>
+          </a:fontRef>
+        </p:style>
+        <p:txBody>
+          <a:bodyPr rtlCol="0" anchor="ctr"/>
+          <a:lstStyle/>
+          <a:p>
+            <a:pPr algn="ctr"/>
             <a:endParaRPr lang="th-TH"/>
           </a:p>
         </p:txBody>
@@ -7308,7 +8993,7 @@
     </p:spTree>
     <p:extLst>
       <p:ext uri="{BB962C8B-B14F-4D97-AF65-F5344CB8AC3E}">
-        <p14:creationId xmlns:p14="http://schemas.microsoft.com/office/powerpoint/2010/main" val="1733557473"/>
+        <p14:creationId xmlns:p14="http://schemas.microsoft.com/office/powerpoint/2010/main" val="3075750667"/>
       </p:ext>
     </p:extLst>
   </p:cSld>
@@ -7340,7 +9025,7 @@
           <p:cNvPr id="2" name="Title 1">
             <a:extLst>
               <a:ext uri="{FF2B5EF4-FFF2-40B4-BE49-F238E27FC236}">
-                <a16:creationId xmlns:a16="http://schemas.microsoft.com/office/drawing/2014/main" id="{BF622904-D46E-4A42-85A3-1234B9CE70A9}"/>
+                <a16:creationId xmlns:a16="http://schemas.microsoft.com/office/drawing/2014/main" id="{14612ABF-29FA-4DE5-81E5-A04579CB3421}"/>
               </a:ext>
             </a:extLst>
           </p:cNvPr>
@@ -7356,16 +9041,20 @@
           <a:bodyPr/>
           <a:lstStyle/>
           <a:p>
-            <a:endParaRPr lang="th-TH"/>
-          </a:p>
-        </p:txBody>
-      </p:sp>
-      <p:sp>
-        <p:nvSpPr>
-          <p:cNvPr id="3" name="Content Placeholder 2">
-            <a:extLst>
-              <a:ext uri="{FF2B5EF4-FFF2-40B4-BE49-F238E27FC236}">
-                <a16:creationId xmlns:a16="http://schemas.microsoft.com/office/drawing/2014/main" id="{AFD03149-9870-4A69-906E-3019F22990C9}"/>
+            <a:r>
+              <a:rPr lang="en-US" dirty="0"/>
+              <a:t>OBS Source list</a:t>
+            </a:r>
+            <a:endParaRPr lang="th-TH" dirty="0"/>
+          </a:p>
+        </p:txBody>
+      </p:sp>
+      <p:sp>
+        <p:nvSpPr>
+          <p:cNvPr id="4" name="Content Placeholder 3">
+            <a:extLst>
+              <a:ext uri="{FF2B5EF4-FFF2-40B4-BE49-F238E27FC236}">
+                <a16:creationId xmlns:a16="http://schemas.microsoft.com/office/drawing/2014/main" id="{1481FE9F-A91F-4A44-AE40-8BA1F896C38B}"/>
               </a:ext>
             </a:extLst>
           </p:cNvPr>
@@ -7373,22 +9062,169 @@
             <a:spLocks noGrp="1"/>
           </p:cNvSpPr>
           <p:nvPr>
-            <p:ph idx="1"/>
+            <p:ph sz="half" idx="1"/>
           </p:nvPr>
         </p:nvSpPr>
-        <p:spPr/>
-        <p:txBody>
-          <a:bodyPr/>
+        <p:spPr>
+          <a:xfrm>
+            <a:off x="838200" y="1476375"/>
+            <a:ext cx="5181600" cy="4700588"/>
+          </a:xfrm>
+        </p:spPr>
+        <p:txBody>
+          <a:bodyPr>
+            <a:normAutofit/>
+          </a:bodyPr>
           <a:lstStyle/>
           <a:p>
-            <a:endParaRPr lang="th-TH"/>
+            <a:r>
+              <a:rPr lang="en-US" dirty="0"/>
+              <a:t>Audio Input Capture</a:t>
+            </a:r>
+          </a:p>
+          <a:p>
+            <a:r>
+              <a:rPr lang="en-US" dirty="0"/>
+              <a:t>Audio Output Capture</a:t>
+            </a:r>
+          </a:p>
+          <a:p>
+            <a:r>
+              <a:rPr lang="en-US" dirty="0"/>
+              <a:t>Blackmagic Device</a:t>
+            </a:r>
+          </a:p>
+          <a:p>
+            <a:r>
+              <a:rPr lang="en-US" dirty="0" err="1"/>
+              <a:t>BrowserSource</a:t>
+            </a:r>
+            <a:endParaRPr lang="en-US" dirty="0"/>
+          </a:p>
+          <a:p>
+            <a:r>
+              <a:rPr lang="en-US" dirty="0"/>
+              <a:t>Color Source</a:t>
+            </a:r>
+          </a:p>
+          <a:p>
+            <a:r>
+              <a:rPr lang="en-US" dirty="0"/>
+              <a:t>Display Capture</a:t>
+            </a:r>
+          </a:p>
+          <a:p>
+            <a:r>
+              <a:rPr lang="en-US" dirty="0"/>
+              <a:t>Game Capture</a:t>
+            </a:r>
+          </a:p>
+          <a:p>
+            <a:r>
+              <a:rPr lang="en-US" dirty="0"/>
+              <a:t>Image</a:t>
+            </a:r>
+          </a:p>
+          <a:p>
+            <a:r>
+              <a:rPr lang="en-US" dirty="0"/>
+              <a:t>Image Slide Show</a:t>
+            </a:r>
+          </a:p>
+          <a:p>
+            <a:endParaRPr lang="en-US" dirty="0"/>
+          </a:p>
+        </p:txBody>
+      </p:sp>
+      <p:sp>
+        <p:nvSpPr>
+          <p:cNvPr id="5" name="Content Placeholder 4">
+            <a:extLst>
+              <a:ext uri="{FF2B5EF4-FFF2-40B4-BE49-F238E27FC236}">
+                <a16:creationId xmlns:a16="http://schemas.microsoft.com/office/drawing/2014/main" id="{42C5381E-4AD8-4CCD-97DA-D9CC5F3B4B43}"/>
+              </a:ext>
+            </a:extLst>
+          </p:cNvPr>
+          <p:cNvSpPr>
+            <a:spLocks noGrp="1"/>
+          </p:cNvSpPr>
+          <p:nvPr>
+            <p:ph sz="half" idx="2"/>
+          </p:nvPr>
+        </p:nvSpPr>
+        <p:spPr>
+          <a:xfrm>
+            <a:off x="6172200" y="1476375"/>
+            <a:ext cx="5181600" cy="4700588"/>
+          </a:xfrm>
+        </p:spPr>
+        <p:txBody>
+          <a:bodyPr>
+            <a:normAutofit/>
+          </a:bodyPr>
+          <a:lstStyle/>
+          <a:p>
+            <a:r>
+              <a:rPr lang="en-US" dirty="0"/>
+              <a:t>Intel® RealSense™ 3D Camera </a:t>
+            </a:r>
+            <a:r>
+              <a:rPr lang="en-US" dirty="0" err="1"/>
+              <a:t>GreenScreen</a:t>
+            </a:r>
+            <a:endParaRPr lang="en-US" dirty="0"/>
+          </a:p>
+          <a:p>
+            <a:r>
+              <a:rPr lang="en-US" dirty="0"/>
+              <a:t>Media Source</a:t>
+            </a:r>
+          </a:p>
+          <a:p>
+            <a:r>
+              <a:rPr lang="en-US" dirty="0"/>
+              <a:t>Scene</a:t>
+            </a:r>
+          </a:p>
+          <a:p>
+            <a:r>
+              <a:rPr lang="en-US" dirty="0"/>
+              <a:t>Text (GDI+)</a:t>
+            </a:r>
+          </a:p>
+          <a:p>
+            <a:r>
+              <a:rPr lang="en-US" dirty="0"/>
+              <a:t>VLC Video Source</a:t>
+            </a:r>
+          </a:p>
+          <a:p>
+            <a:r>
+              <a:rPr lang="en-US" dirty="0"/>
+              <a:t>Video Capture Device</a:t>
+            </a:r>
+          </a:p>
+          <a:p>
+            <a:r>
+              <a:rPr lang="en-US" dirty="0"/>
+              <a:t>Window Capture</a:t>
+            </a:r>
+          </a:p>
+          <a:p>
+            <a:r>
+              <a:rPr lang="en-US" dirty="0"/>
+              <a:t>Deprecated Sources</a:t>
+            </a:r>
+          </a:p>
+          <a:p>
+            <a:endParaRPr lang="th-TH" dirty="0"/>
           </a:p>
         </p:txBody>
       </p:sp>
     </p:spTree>
     <p:extLst>
       <p:ext uri="{BB962C8B-B14F-4D97-AF65-F5344CB8AC3E}">
-        <p14:creationId xmlns:p14="http://schemas.microsoft.com/office/powerpoint/2010/main" val="37393073"/>
+        <p14:creationId xmlns:p14="http://schemas.microsoft.com/office/powerpoint/2010/main" val="1733557473"/>
       </p:ext>
     </p:extLst>
   </p:cSld>

--- a/OBS Training.pptx
+++ b/OBS Training.pptx
@@ -4158,14 +4158,19 @@
             <p:ph type="title"/>
           </p:nvPr>
         </p:nvSpPr>
-        <p:spPr/>
+        <p:spPr>
+          <a:xfrm>
+            <a:off x="219075" y="365125"/>
+            <a:ext cx="11706225" cy="1325563"/>
+          </a:xfrm>
+        </p:spPr>
         <p:txBody>
           <a:bodyPr/>
           <a:lstStyle/>
           <a:p>
             <a:r>
               <a:rPr lang="en-US" b="1" dirty="0"/>
-              <a:t>Open Broadcaster Software interface</a:t>
+              <a:t>Open Broadcaster Software interface (Classic mode)</a:t>
             </a:r>
             <a:endParaRPr lang="th-TH" b="1" dirty="0"/>
           </a:p>
@@ -4709,7 +4714,7 @@
                 </a:solidFill>
                 <a:latin typeface="Atlanta" panose="020B0502020202020204" pitchFamily="34" charset="0"/>
               </a:rPr>
-              <a:t>Audio Mixer</a:t>
+              <a:t>Mixer</a:t>
             </a:r>
           </a:p>
           <a:p>
@@ -4725,7 +4730,7 @@
                 </a:solidFill>
                 <a:latin typeface="Atlanta" panose="020B0502020202020204" pitchFamily="34" charset="0"/>
               </a:rPr>
-              <a:t>Source Transition</a:t>
+              <a:t>Scene Transitions</a:t>
             </a:r>
           </a:p>
           <a:p>
@@ -4867,10 +4872,10 @@
         </p:nvGrpSpPr>
         <p:grpSpPr>
           <a:xfrm>
-            <a:off x="1772467" y="2631214"/>
-            <a:ext cx="5355466" cy="422093"/>
-            <a:chOff x="5163367" y="2412139"/>
-            <a:chExt cx="5355466" cy="422093"/>
+            <a:off x="928791" y="701858"/>
+            <a:ext cx="7353299" cy="4557438"/>
+            <a:chOff x="4319691" y="482783"/>
+            <a:chExt cx="7353299" cy="4557438"/>
           </a:xfrm>
         </p:grpSpPr>
         <p:sp>
@@ -4887,7 +4892,7 @@
           </p:nvSpPr>
           <p:spPr>
             <a:xfrm>
-              <a:off x="5163367" y="2412139"/>
+              <a:off x="5395913" y="482783"/>
               <a:ext cx="465092" cy="422093"/>
             </a:xfrm>
             <a:prstGeom prst="ellipse">
@@ -4944,7 +4949,7 @@
           </p:nvSpPr>
           <p:spPr>
             <a:xfrm>
-              <a:off x="7543904" y="2412139"/>
+              <a:off x="5395913" y="2375036"/>
               <a:ext cx="465092" cy="422093"/>
             </a:xfrm>
             <a:prstGeom prst="ellipse">
@@ -5001,7 +5006,7 @@
           </p:nvSpPr>
           <p:spPr>
             <a:xfrm>
-              <a:off x="10053741" y="2412139"/>
+              <a:off x="7671467" y="2375036"/>
               <a:ext cx="465092" cy="422093"/>
             </a:xfrm>
             <a:prstGeom prst="ellipse">
@@ -5044,92 +5049,349 @@
             </a:p>
           </p:txBody>
         </p:sp>
+        <p:sp>
+          <p:nvSpPr>
+            <p:cNvPr id="21" name="Oval 20">
+              <a:extLst>
+                <a:ext uri="{FF2B5EF4-FFF2-40B4-BE49-F238E27FC236}">
+                  <a16:creationId xmlns:a16="http://schemas.microsoft.com/office/drawing/2014/main" id="{B420D9DA-4F9D-4BA8-B39D-4281320DBE8A}"/>
+                </a:ext>
+              </a:extLst>
+            </p:cNvPr>
+            <p:cNvSpPr/>
+            <p:nvPr/>
+          </p:nvSpPr>
+          <p:spPr>
+            <a:xfrm>
+              <a:off x="4319691" y="4618128"/>
+              <a:ext cx="465092" cy="422093"/>
+            </a:xfrm>
+            <a:prstGeom prst="ellipse">
+              <a:avLst/>
+            </a:prstGeom>
+            <a:ln w="28575"/>
+          </p:spPr>
+          <p:style>
+            <a:lnRef idx="2">
+              <a:schemeClr val="accent2"/>
+            </a:lnRef>
+            <a:fillRef idx="1">
+              <a:schemeClr val="lt1"/>
+            </a:fillRef>
+            <a:effectRef idx="0">
+              <a:schemeClr val="accent2"/>
+            </a:effectRef>
+            <a:fontRef idx="minor">
+              <a:schemeClr val="dk1"/>
+            </a:fontRef>
+          </p:style>
+          <p:txBody>
+            <a:bodyPr rtlCol="0" anchor="ctr"/>
+            <a:lstStyle/>
+            <a:p>
+              <a:pPr algn="ctr">
+                <a:spcBef>
+                  <a:spcPts val="600"/>
+                </a:spcBef>
+              </a:pPr>
+              <a:r>
+                <a:rPr lang="en-US" sz="1800" dirty="0">
+                  <a:latin typeface="Atlanta" panose="020B0502020202020204" pitchFamily="34" charset="0"/>
+                </a:rPr>
+                <a:t>5</a:t>
+              </a:r>
+              <a:endParaRPr lang="th-TH" sz="1800" dirty="0">
+                <a:latin typeface="Atlanta" panose="020B0502020202020204" pitchFamily="34" charset="0"/>
+              </a:endParaRPr>
+            </a:p>
+          </p:txBody>
+        </p:sp>
+        <p:sp>
+          <p:nvSpPr>
+            <p:cNvPr id="22" name="Oval 21">
+              <a:extLst>
+                <a:ext uri="{FF2B5EF4-FFF2-40B4-BE49-F238E27FC236}">
+                  <a16:creationId xmlns:a16="http://schemas.microsoft.com/office/drawing/2014/main" id="{D8282B6C-D30D-4C38-90BD-A1D0F4510A84}"/>
+                </a:ext>
+              </a:extLst>
+            </p:cNvPr>
+            <p:cNvSpPr/>
+            <p:nvPr/>
+          </p:nvSpPr>
+          <p:spPr>
+            <a:xfrm>
+              <a:off x="5628459" y="4618128"/>
+              <a:ext cx="465092" cy="422093"/>
+            </a:xfrm>
+            <a:prstGeom prst="ellipse">
+              <a:avLst/>
+            </a:prstGeom>
+            <a:ln w="28575"/>
+          </p:spPr>
+          <p:style>
+            <a:lnRef idx="2">
+              <a:schemeClr val="accent2"/>
+            </a:lnRef>
+            <a:fillRef idx="1">
+              <a:schemeClr val="lt1"/>
+            </a:fillRef>
+            <a:effectRef idx="0">
+              <a:schemeClr val="accent2"/>
+            </a:effectRef>
+            <a:fontRef idx="minor">
+              <a:schemeClr val="dk1"/>
+            </a:fontRef>
+          </p:style>
+          <p:txBody>
+            <a:bodyPr rtlCol="0" anchor="ctr"/>
+            <a:lstStyle/>
+            <a:p>
+              <a:pPr algn="ctr">
+                <a:spcBef>
+                  <a:spcPts val="600"/>
+                </a:spcBef>
+              </a:pPr>
+              <a:r>
+                <a:rPr lang="en-US" sz="1800" dirty="0">
+                  <a:latin typeface="Atlanta" panose="020B0502020202020204" pitchFamily="34" charset="0"/>
+                </a:rPr>
+                <a:t>6</a:t>
+              </a:r>
+              <a:endParaRPr lang="th-TH" sz="1800" dirty="0">
+                <a:latin typeface="Atlanta" panose="020B0502020202020204" pitchFamily="34" charset="0"/>
+              </a:endParaRPr>
+            </a:p>
+          </p:txBody>
+        </p:sp>
+        <p:sp>
+          <p:nvSpPr>
+            <p:cNvPr id="23" name="Oval 22">
+              <a:extLst>
+                <a:ext uri="{FF2B5EF4-FFF2-40B4-BE49-F238E27FC236}">
+                  <a16:creationId xmlns:a16="http://schemas.microsoft.com/office/drawing/2014/main" id="{7E79A00E-80D7-45D5-AA0B-5507F51742DC}"/>
+                </a:ext>
+              </a:extLst>
+            </p:cNvPr>
+            <p:cNvSpPr/>
+            <p:nvPr/>
+          </p:nvSpPr>
+          <p:spPr>
+            <a:xfrm>
+              <a:off x="7904013" y="4618127"/>
+              <a:ext cx="465092" cy="422093"/>
+            </a:xfrm>
+            <a:prstGeom prst="ellipse">
+              <a:avLst/>
+            </a:prstGeom>
+            <a:ln w="28575"/>
+          </p:spPr>
+          <p:style>
+            <a:lnRef idx="2">
+              <a:schemeClr val="accent2"/>
+            </a:lnRef>
+            <a:fillRef idx="1">
+              <a:schemeClr val="lt1"/>
+            </a:fillRef>
+            <a:effectRef idx="0">
+              <a:schemeClr val="accent2"/>
+            </a:effectRef>
+            <a:fontRef idx="minor">
+              <a:schemeClr val="dk1"/>
+            </a:fontRef>
+          </p:style>
+          <p:txBody>
+            <a:bodyPr rtlCol="0" anchor="ctr"/>
+            <a:lstStyle/>
+            <a:p>
+              <a:pPr algn="ctr">
+                <a:spcBef>
+                  <a:spcPts val="600"/>
+                </a:spcBef>
+              </a:pPr>
+              <a:r>
+                <a:rPr lang="en-US" sz="1800" dirty="0">
+                  <a:latin typeface="Atlanta" panose="020B0502020202020204" pitchFamily="34" charset="0"/>
+                </a:rPr>
+                <a:t>7</a:t>
+              </a:r>
+              <a:endParaRPr lang="th-TH" sz="1800" dirty="0">
+                <a:latin typeface="Atlanta" panose="020B0502020202020204" pitchFamily="34" charset="0"/>
+              </a:endParaRPr>
+            </a:p>
+          </p:txBody>
+        </p:sp>
+        <p:sp>
+          <p:nvSpPr>
+            <p:cNvPr id="24" name="Oval 23">
+              <a:extLst>
+                <a:ext uri="{FF2B5EF4-FFF2-40B4-BE49-F238E27FC236}">
+                  <a16:creationId xmlns:a16="http://schemas.microsoft.com/office/drawing/2014/main" id="{D831DD94-3973-421D-8406-3FBE4B4883F9}"/>
+                </a:ext>
+              </a:extLst>
+            </p:cNvPr>
+            <p:cNvSpPr/>
+            <p:nvPr/>
+          </p:nvSpPr>
+          <p:spPr>
+            <a:xfrm>
+              <a:off x="10053741" y="4395652"/>
+              <a:ext cx="465092" cy="422093"/>
+            </a:xfrm>
+            <a:prstGeom prst="ellipse">
+              <a:avLst/>
+            </a:prstGeom>
+            <a:ln w="28575"/>
+          </p:spPr>
+          <p:style>
+            <a:lnRef idx="2">
+              <a:schemeClr val="accent2"/>
+            </a:lnRef>
+            <a:fillRef idx="1">
+              <a:schemeClr val="lt1"/>
+            </a:fillRef>
+            <a:effectRef idx="0">
+              <a:schemeClr val="accent2"/>
+            </a:effectRef>
+            <a:fontRef idx="minor">
+              <a:schemeClr val="dk1"/>
+            </a:fontRef>
+          </p:style>
+          <p:txBody>
+            <a:bodyPr rtlCol="0" anchor="ctr"/>
+            <a:lstStyle/>
+            <a:p>
+              <a:pPr algn="ctr">
+                <a:spcBef>
+                  <a:spcPts val="600"/>
+                </a:spcBef>
+              </a:pPr>
+              <a:r>
+                <a:rPr lang="en-US" sz="1800" dirty="0">
+                  <a:latin typeface="Atlanta" panose="020B0502020202020204" pitchFamily="34" charset="0"/>
+                </a:rPr>
+                <a:t>8</a:t>
+              </a:r>
+              <a:endParaRPr lang="th-TH" sz="1800" dirty="0">
+                <a:latin typeface="Atlanta" panose="020B0502020202020204" pitchFamily="34" charset="0"/>
+              </a:endParaRPr>
+            </a:p>
+          </p:txBody>
+        </p:sp>
+        <p:sp>
+          <p:nvSpPr>
+            <p:cNvPr id="25" name="Oval 24">
+              <a:extLst>
+                <a:ext uri="{FF2B5EF4-FFF2-40B4-BE49-F238E27FC236}">
+                  <a16:creationId xmlns:a16="http://schemas.microsoft.com/office/drawing/2014/main" id="{B4E3AB76-E507-434B-A6B2-E14242F8D319}"/>
+                </a:ext>
+              </a:extLst>
+            </p:cNvPr>
+            <p:cNvSpPr/>
+            <p:nvPr/>
+          </p:nvSpPr>
+          <p:spPr>
+            <a:xfrm>
+              <a:off x="11207898" y="4518025"/>
+              <a:ext cx="465092" cy="422093"/>
+            </a:xfrm>
+            <a:prstGeom prst="ellipse">
+              <a:avLst/>
+            </a:prstGeom>
+            <a:ln w="28575"/>
+          </p:spPr>
+          <p:style>
+            <a:lnRef idx="2">
+              <a:schemeClr val="accent2"/>
+            </a:lnRef>
+            <a:fillRef idx="1">
+              <a:schemeClr val="lt1"/>
+            </a:fillRef>
+            <a:effectRef idx="0">
+              <a:schemeClr val="accent2"/>
+            </a:effectRef>
+            <a:fontRef idx="minor">
+              <a:schemeClr val="dk1"/>
+            </a:fontRef>
+          </p:style>
+          <p:txBody>
+            <a:bodyPr rtlCol="0" anchor="ctr"/>
+            <a:lstStyle/>
+            <a:p>
+              <a:pPr algn="ctr">
+                <a:spcBef>
+                  <a:spcPts val="600"/>
+                </a:spcBef>
+              </a:pPr>
+              <a:r>
+                <a:rPr lang="en-US" sz="1800" dirty="0">
+                  <a:latin typeface="Atlanta" panose="020B0502020202020204" pitchFamily="34" charset="0"/>
+                </a:rPr>
+                <a:t>9</a:t>
+              </a:r>
+              <a:endParaRPr lang="th-TH" sz="1800" dirty="0">
+                <a:latin typeface="Atlanta" panose="020B0502020202020204" pitchFamily="34" charset="0"/>
+              </a:endParaRPr>
+            </a:p>
+          </p:txBody>
+        </p:sp>
+        <p:sp>
+          <p:nvSpPr>
+            <p:cNvPr id="26" name="Oval 25">
+              <a:extLst>
+                <a:ext uri="{FF2B5EF4-FFF2-40B4-BE49-F238E27FC236}">
+                  <a16:creationId xmlns:a16="http://schemas.microsoft.com/office/drawing/2014/main" id="{A1536DA2-B266-4986-9CF2-BF29A237C707}"/>
+                </a:ext>
+              </a:extLst>
+            </p:cNvPr>
+            <p:cNvSpPr/>
+            <p:nvPr/>
+          </p:nvSpPr>
+          <p:spPr>
+            <a:xfrm>
+              <a:off x="9900317" y="2419440"/>
+              <a:ext cx="465092" cy="422093"/>
+            </a:xfrm>
+            <a:prstGeom prst="ellipse">
+              <a:avLst/>
+            </a:prstGeom>
+            <a:ln w="28575"/>
+          </p:spPr>
+          <p:style>
+            <a:lnRef idx="2">
+              <a:schemeClr val="accent2"/>
+            </a:lnRef>
+            <a:fillRef idx="1">
+              <a:schemeClr val="lt1"/>
+            </a:fillRef>
+            <a:effectRef idx="0">
+              <a:schemeClr val="accent2"/>
+            </a:effectRef>
+            <a:fontRef idx="minor">
+              <a:schemeClr val="dk1"/>
+            </a:fontRef>
+          </p:style>
+          <p:txBody>
+            <a:bodyPr rtlCol="0" anchor="ctr"/>
+            <a:lstStyle/>
+            <a:p>
+              <a:pPr algn="ctr">
+                <a:spcBef>
+                  <a:spcPts val="600"/>
+                </a:spcBef>
+              </a:pPr>
+              <a:r>
+                <a:rPr lang="en-US" sz="1800" dirty="0">
+                  <a:latin typeface="Atlanta" panose="020B0502020202020204" pitchFamily="34" charset="0"/>
+                </a:rPr>
+                <a:t>4</a:t>
+              </a:r>
+              <a:endParaRPr lang="th-TH" sz="1800" dirty="0">
+                <a:latin typeface="Atlanta" panose="020B0502020202020204" pitchFamily="34" charset="0"/>
+              </a:endParaRPr>
+            </a:p>
+          </p:txBody>
+        </p:sp>
       </p:grpSp>
-      <p:sp>
-        <p:nvSpPr>
-          <p:cNvPr id="17" name="TextBox 16">
-            <a:extLst>
-              <a:ext uri="{FF2B5EF4-FFF2-40B4-BE49-F238E27FC236}">
-                <a16:creationId xmlns:a16="http://schemas.microsoft.com/office/drawing/2014/main" id="{9D615086-862F-48D5-A567-DD5AFDB55CBB}"/>
-              </a:ext>
-            </a:extLst>
-          </p:cNvPr>
-          <p:cNvSpPr txBox="1"/>
-          <p:nvPr/>
-        </p:nvSpPr>
-        <p:spPr>
-          <a:xfrm>
-            <a:off x="8877404" y="1376363"/>
-            <a:ext cx="2762146" cy="1200329"/>
-          </a:xfrm>
-          <a:prstGeom prst="rect">
-            <a:avLst/>
-          </a:prstGeom>
-          <a:noFill/>
-        </p:spPr>
-        <p:txBody>
-          <a:bodyPr wrap="square" rtlCol="0">
-            <a:spAutoFit/>
-          </a:bodyPr>
-          <a:lstStyle/>
-          <a:p>
-            <a:pPr marL="514350" indent="-514350">
-              <a:buAutoNum type="arabicPeriod"/>
-            </a:pPr>
-            <a:r>
-              <a:rPr lang="en-US" sz="2400" dirty="0">
-                <a:solidFill>
-                  <a:schemeClr val="accent6">
-                    <a:lumMod val="75000"/>
-                  </a:schemeClr>
-                </a:solidFill>
-                <a:latin typeface="Atlanta" panose="020B0502020202020204" pitchFamily="34" charset="0"/>
-              </a:rPr>
-              <a:t>Preview</a:t>
-            </a:r>
-          </a:p>
-          <a:p>
-            <a:pPr marL="514350" indent="-514350">
-              <a:buAutoNum type="arabicPeriod"/>
-            </a:pPr>
-            <a:r>
-              <a:rPr lang="en-US" sz="2400" dirty="0">
-                <a:solidFill>
-                  <a:schemeClr val="accent6">
-                    <a:lumMod val="75000"/>
-                  </a:schemeClr>
-                </a:solidFill>
-                <a:latin typeface="Atlanta" panose="020B0502020202020204" pitchFamily="34" charset="0"/>
-              </a:rPr>
-              <a:t>Transition</a:t>
-            </a:r>
-          </a:p>
-          <a:p>
-            <a:pPr marL="514350" indent="-514350">
-              <a:buAutoNum type="arabicPeriod"/>
-            </a:pPr>
-            <a:r>
-              <a:rPr lang="en-US" sz="2400" dirty="0">
-                <a:solidFill>
-                  <a:schemeClr val="accent6">
-                    <a:lumMod val="75000"/>
-                  </a:schemeClr>
-                </a:solidFill>
-                <a:latin typeface="Atlanta" panose="020B0502020202020204" pitchFamily="34" charset="0"/>
-              </a:rPr>
-              <a:t>Program</a:t>
-            </a:r>
-            <a:endParaRPr lang="th-TH" sz="2400" dirty="0">
-              <a:solidFill>
-                <a:schemeClr val="accent6">
-                  <a:lumMod val="75000"/>
-                </a:schemeClr>
-              </a:solidFill>
-              <a:latin typeface="Atlanta" panose="020B0502020202020204" pitchFamily="34" charset="0"/>
-            </a:endParaRPr>
-          </a:p>
-        </p:txBody>
-      </p:sp>
       <p:grpSp>
         <p:nvGrpSpPr>
           <p:cNvPr id="20" name="Group 19">
@@ -5243,6 +5505,187 @@
           </p:txBody>
         </p:sp>
       </p:grpSp>
+      <p:sp>
+        <p:nvSpPr>
+          <p:cNvPr id="27" name="TextBox 26">
+            <a:extLst>
+              <a:ext uri="{FF2B5EF4-FFF2-40B4-BE49-F238E27FC236}">
+                <a16:creationId xmlns:a16="http://schemas.microsoft.com/office/drawing/2014/main" id="{2AFF908B-9565-4651-B2D8-4055121E0453}"/>
+              </a:ext>
+            </a:extLst>
+          </p:cNvPr>
+          <p:cNvSpPr txBox="1"/>
+          <p:nvPr/>
+        </p:nvSpPr>
+        <p:spPr>
+          <a:xfrm>
+            <a:off x="8877404" y="1222365"/>
+            <a:ext cx="3390900" cy="3416320"/>
+          </a:xfrm>
+          <a:prstGeom prst="rect">
+            <a:avLst/>
+          </a:prstGeom>
+          <a:noFill/>
+        </p:spPr>
+        <p:txBody>
+          <a:bodyPr wrap="square" rtlCol="0">
+            <a:spAutoFit/>
+          </a:bodyPr>
+          <a:lstStyle/>
+          <a:p>
+            <a:pPr marL="514350" indent="-514350">
+              <a:buAutoNum type="arabicPeriod"/>
+            </a:pPr>
+            <a:r>
+              <a:rPr lang="en-US" sz="2400" dirty="0">
+                <a:solidFill>
+                  <a:schemeClr val="accent6">
+                    <a:lumMod val="75000"/>
+                  </a:schemeClr>
+                </a:solidFill>
+                <a:latin typeface="Atlanta" panose="020B0502020202020204" pitchFamily="34" charset="0"/>
+              </a:rPr>
+              <a:t>Menu bar</a:t>
+            </a:r>
+          </a:p>
+          <a:p>
+            <a:pPr marL="514350" indent="-514350">
+              <a:buAutoNum type="arabicPeriod"/>
+            </a:pPr>
+            <a:r>
+              <a:rPr lang="en-US" sz="2400" dirty="0">
+                <a:solidFill>
+                  <a:schemeClr val="accent6">
+                    <a:lumMod val="75000"/>
+                  </a:schemeClr>
+                </a:solidFill>
+                <a:latin typeface="Atlanta" panose="020B0502020202020204" pitchFamily="34" charset="0"/>
+              </a:rPr>
+              <a:t>Preview monitor</a:t>
+            </a:r>
+          </a:p>
+          <a:p>
+            <a:pPr marL="514350" indent="-514350">
+              <a:buAutoNum type="arabicPeriod"/>
+            </a:pPr>
+            <a:r>
+              <a:rPr lang="en-US" sz="2400" dirty="0">
+                <a:solidFill>
+                  <a:schemeClr val="accent6">
+                    <a:lumMod val="75000"/>
+                  </a:schemeClr>
+                </a:solidFill>
+                <a:latin typeface="Atlanta" panose="020B0502020202020204" pitchFamily="34" charset="0"/>
+              </a:rPr>
+              <a:t>Transition</a:t>
+            </a:r>
+          </a:p>
+          <a:p>
+            <a:pPr marL="514350" indent="-514350">
+              <a:buAutoNum type="arabicPeriod"/>
+            </a:pPr>
+            <a:r>
+              <a:rPr lang="en-US" sz="2400" dirty="0">
+                <a:solidFill>
+                  <a:schemeClr val="accent6">
+                    <a:lumMod val="75000"/>
+                  </a:schemeClr>
+                </a:solidFill>
+                <a:latin typeface="Atlanta" panose="020B0502020202020204" pitchFamily="34" charset="0"/>
+              </a:rPr>
+              <a:t>Program monitor</a:t>
+            </a:r>
+          </a:p>
+          <a:p>
+            <a:pPr marL="514350" indent="-514350">
+              <a:buAutoNum type="arabicPeriod"/>
+            </a:pPr>
+            <a:r>
+              <a:rPr lang="en-US" sz="2400" dirty="0">
+                <a:solidFill>
+                  <a:schemeClr val="accent6">
+                    <a:lumMod val="75000"/>
+                  </a:schemeClr>
+                </a:solidFill>
+                <a:latin typeface="Atlanta" panose="020B0502020202020204" pitchFamily="34" charset="0"/>
+              </a:rPr>
+              <a:t>Scenes</a:t>
+            </a:r>
+          </a:p>
+          <a:p>
+            <a:pPr marL="514350" indent="-514350">
+              <a:buAutoNum type="arabicPeriod"/>
+            </a:pPr>
+            <a:r>
+              <a:rPr lang="en-US" sz="2400" dirty="0">
+                <a:solidFill>
+                  <a:schemeClr val="accent6">
+                    <a:lumMod val="75000"/>
+                  </a:schemeClr>
+                </a:solidFill>
+                <a:latin typeface="Atlanta" panose="020B0502020202020204" pitchFamily="34" charset="0"/>
+              </a:rPr>
+              <a:t>Sources</a:t>
+            </a:r>
+          </a:p>
+          <a:p>
+            <a:pPr marL="514350" indent="-514350">
+              <a:buAutoNum type="arabicPeriod"/>
+            </a:pPr>
+            <a:r>
+              <a:rPr lang="en-US" sz="2400" dirty="0">
+                <a:solidFill>
+                  <a:schemeClr val="accent6">
+                    <a:lumMod val="75000"/>
+                  </a:schemeClr>
+                </a:solidFill>
+                <a:latin typeface="Atlanta" panose="020B0502020202020204" pitchFamily="34" charset="0"/>
+              </a:rPr>
+              <a:t>Mixer</a:t>
+            </a:r>
+          </a:p>
+          <a:p>
+            <a:pPr marL="514350" indent="-514350">
+              <a:buAutoNum type="arabicPeriod"/>
+            </a:pPr>
+            <a:r>
+              <a:rPr lang="en-US" sz="2400" dirty="0">
+                <a:solidFill>
+                  <a:schemeClr val="accent6">
+                    <a:lumMod val="75000"/>
+                  </a:schemeClr>
+                </a:solidFill>
+                <a:latin typeface="Atlanta" panose="020B0502020202020204" pitchFamily="34" charset="0"/>
+              </a:rPr>
+              <a:t>Scene Transitions</a:t>
+            </a:r>
+          </a:p>
+          <a:p>
+            <a:pPr marL="514350" indent="-514350">
+              <a:buAutoNum type="arabicPeriod"/>
+            </a:pPr>
+            <a:r>
+              <a:rPr lang="en-US" sz="2400" dirty="0">
+                <a:solidFill>
+                  <a:schemeClr val="accent6">
+                    <a:lumMod val="75000"/>
+                  </a:schemeClr>
+                </a:solidFill>
+                <a:latin typeface="Atlanta" panose="020B0502020202020204" pitchFamily="34" charset="0"/>
+              </a:rPr>
+              <a:t>Controls</a:t>
+            </a:r>
+            <a:endParaRPr lang="th-TH" sz="2400" dirty="0">
+              <a:solidFill>
+                <a:schemeClr val="accent6">
+                  <a:lumMod val="75000"/>
+                </a:schemeClr>
+              </a:solidFill>
+              <a:latin typeface="Atlanta" panose="020B0502020202020204" pitchFamily="34" charset="0"/>
+            </a:endParaRPr>
+          </a:p>
+        </p:txBody>
+      </p:sp>
     </p:spTree>
     <p:extLst>
       <p:ext uri="{BB962C8B-B14F-4D97-AF65-F5344CB8AC3E}">
@@ -9042,10 +9485,26 @@
           <a:lstStyle/>
           <a:p>
             <a:r>
-              <a:rPr lang="en-US" dirty="0"/>
+              <a:rPr lang="en-US" dirty="0">
+                <a:effectLst>
+                  <a:outerShdw blurRad="38100" dist="38100" dir="2700000" algn="tl">
+                    <a:srgbClr val="000000">
+                      <a:alpha val="43137"/>
+                    </a:srgbClr>
+                  </a:outerShdw>
+                </a:effectLst>
+              </a:rPr>
               <a:t>OBS Source list</a:t>
             </a:r>
-            <a:endParaRPr lang="th-TH" dirty="0"/>
+            <a:endParaRPr lang="th-TH" dirty="0">
+              <a:effectLst>
+                <a:outerShdw blurRad="38100" dist="38100" dir="2700000" algn="tl">
+                  <a:srgbClr val="000000">
+                    <a:alpha val="43137"/>
+                  </a:srgbClr>
+                </a:outerShdw>
+              </a:effectLst>
+            </a:endParaRPr>
           </a:p>
         </p:txBody>
       </p:sp>
